--- a/poster/poster_template.pptx
+++ b/poster/poster_template.pptx
@@ -17,22 +17,26 @@
   <p:notesSz cx="6858000" cy="9144000"/>
   <p:embeddedFontLst>
     <p:embeddedFont>
+      <p:font typeface="HGSSoeiKakugothicUB" panose="020B0900000000000000" pitchFamily="34" charset="-128"/>
+      <p:regular r:id="rId7"/>
+    </p:embeddedFont>
+    <p:embeddedFont>
       <p:font typeface="Arial Black" panose="020B0604020202020204" pitchFamily="34" charset="0"/>
-      <p:regular r:id="rId7"/>
-      <p:bold r:id="rId8"/>
+      <p:regular r:id="rId8"/>
+      <p:bold r:id="rId9"/>
     </p:embeddedFont>
     <p:embeddedFont>
       <p:font typeface="Calibri" panose="020F0502020204030204" pitchFamily="34" charset="0"/>
-      <p:regular r:id="rId9"/>
-      <p:bold r:id="rId10"/>
-      <p:italic r:id="rId11"/>
-      <p:boldItalic r:id="rId12"/>
+      <p:regular r:id="rId10"/>
+      <p:bold r:id="rId11"/>
+      <p:italic r:id="rId12"/>
+      <p:boldItalic r:id="rId13"/>
     </p:embeddedFont>
     <p:embeddedFont>
       <p:font typeface="Trebuchet MS" panose="020B0703020202090204" pitchFamily="34" charset="0"/>
-      <p:regular r:id="rId13"/>
-      <p:bold r:id="rId14"/>
-      <p:italic r:id="rId15"/>
+      <p:regular r:id="rId14"/>
+      <p:bold r:id="rId15"/>
+      <p:italic r:id="rId16"/>
     </p:embeddedFont>
   </p:embeddedFontLst>
   <p:defaultTextStyle>
@@ -324,7 +328,7 @@
       </p15:notesGuideLst>
     </p:ext>
     <p:ext uri="http://customooxmlschemas.google.com/">
-      <go:slidesCustomData xmlns:go="http://customooxmlschemas.google.com/" xmlns:ahyp="http://schemas.microsoft.com/office/drawing/2018/hyperlinkcolor" xmlns:p15="http://schemas.microsoft.com/office/powerpoint/2012/main" xmlns:p14="http://schemas.microsoft.com/office/powerpoint/2010/main" xmlns:com="http://schemas.openxmlformats.org/drawingml/2006/compatibility" xmlns:pvml="urn:schemas-microsoft-com:office:powerpoint" xmlns:v="urn:schemas-microsoft-com:vml" xmlns:o="urn:schemas-microsoft-com:office:office" xmlns:dgm="http://schemas.openxmlformats.org/drawingml/2006/diagram" xmlns:c="http://schemas.openxmlformats.org/drawingml/2006/chart" xmlns:mv="urn:schemas-microsoft-com:mac:vml" xmlns:mc="http://schemas.openxmlformats.org/markup-compatibility/2006" xmlns="" r:id="rId16" roundtripDataSignature="AMtx7mjwRr5RV0Lc7aKBHl703qhp0qDcJQ=="/>
+      <go:slidesCustomData xmlns:go="http://customooxmlschemas.google.com/" xmlns:ahyp="http://schemas.microsoft.com/office/drawing/2018/hyperlinkcolor" xmlns:p15="http://schemas.microsoft.com/office/powerpoint/2012/main" xmlns:p14="http://schemas.microsoft.com/office/powerpoint/2010/main" xmlns:com="http://schemas.openxmlformats.org/drawingml/2006/compatibility" xmlns:pvml="urn:schemas-microsoft-com:office:powerpoint" xmlns:v="urn:schemas-microsoft-com:vml" xmlns:o="urn:schemas-microsoft-com:office:office" xmlns:dgm="http://schemas.openxmlformats.org/drawingml/2006/diagram" xmlns:c="http://schemas.openxmlformats.org/drawingml/2006/chart" xmlns:mv="urn:schemas-microsoft-com:mac:vml" xmlns:mc="http://schemas.openxmlformats.org/markup-compatibility/2006" xmlns="" r:id="rId17" roundtripDataSignature="AMtx7mjwRr5RV0Lc7aKBHl703qhp0qDcJQ=="/>
     </p:ext>
   </p:extLst>
 </p:presentation>
@@ -32589,8 +32593,8 @@
         </p:nvSpPr>
         <p:spPr>
           <a:xfrm>
-            <a:off x="427923" y="6378481"/>
-            <a:ext cx="10047019" cy="4757662"/>
+            <a:off x="507310" y="6115394"/>
+            <a:ext cx="10047019" cy="6442739"/>
           </a:xfrm>
           <a:prstGeom prst="rect">
             <a:avLst/>
@@ -32646,17 +32650,6 @@
           <a:p>
             <a:pPr marL="0" lvl="0" indent="0"/>
             <a:r>
-              <a:rPr lang="en-US" dirty="0"/>
-              <a:t>Help people to avoid the spread of misinformation in social media.</a:t>
-            </a:r>
-          </a:p>
-          <a:p>
-            <a:pPr marL="0" lvl="0" indent="0"/>
-            <a:endParaRPr lang="en-US" dirty="0"/>
-          </a:p>
-          <a:p>
-            <a:pPr marL="0" lvl="0" indent="0"/>
-            <a:r>
               <a:rPr lang="en-US" b="1" u="sng" dirty="0"/>
               <a:t>Contributions</a:t>
             </a:r>
@@ -32667,6 +32660,39 @@
               <a:rPr lang="en-US" dirty="0"/>
               <a:t>I successfully extract two important video features: images and texts. Then, I concatenate them as a data frame for model training.</a:t>
             </a:r>
+          </a:p>
+          <a:p>
+            <a:pPr marL="0" lvl="0" indent="0"/>
+            <a:r>
+              <a:rPr lang="en-US" dirty="0"/>
+              <a:t>I construct two different classification models to identify Deepfake videos with 97 % and 88 % accuracy score. </a:t>
+            </a:r>
+          </a:p>
+          <a:p>
+            <a:pPr marL="0" lvl="0" indent="0"/>
+            <a:r>
+              <a:rPr lang="en-US" b="1" u="sng" dirty="0"/>
+              <a:t>Keywords</a:t>
+            </a:r>
+          </a:p>
+          <a:p>
+            <a:pPr marL="0" lvl="0" indent="0"/>
+            <a:r>
+              <a:rPr lang="en-US" sz="2200" i="1" dirty="0">
+                <a:solidFill>
+                  <a:schemeClr val="bg2"/>
+                </a:solidFill>
+              </a:rPr>
+              <a:t>Computer Vision, Natural Language Processing, Machine Learning, Neural Network</a:t>
+            </a:r>
+          </a:p>
+          <a:p>
+            <a:pPr marL="0" lvl="0" indent="0"/>
+            <a:endParaRPr lang="en-US" dirty="0"/>
+          </a:p>
+          <a:p>
+            <a:pPr marL="0" lvl="0" indent="0"/>
+            <a:endParaRPr lang="en-US" dirty="0"/>
           </a:p>
           <a:p>
             <a:pPr marL="0" lvl="0" indent="0"/>
@@ -32894,8 +32920,8 @@
         </p:nvSpPr>
         <p:spPr>
           <a:xfrm>
-            <a:off x="22417094" y="6378481"/>
-            <a:ext cx="10048874" cy="846363"/>
+            <a:off x="22421205" y="5556294"/>
+            <a:ext cx="10048874" cy="14542392"/>
           </a:xfrm>
           <a:prstGeom prst="rect">
             <a:avLst/>
@@ -32911,66 +32937,374 @@
           </a:bodyPr>
           <a:lstStyle/>
           <a:p>
-            <a:pPr marL="0" lvl="0" indent="0" algn="l" rtl="0">
-              <a:spcBef>
-                <a:spcPts val="0"/>
-              </a:spcBef>
-              <a:spcAft>
-                <a:spcPts val="0"/>
-              </a:spcAft>
-              <a:buClr>
-                <a:srgbClr val="4B376B"/>
-              </a:buClr>
-              <a:buSzPts val="2500"/>
-              <a:buNone/>
+            <a:pPr marL="0" lvl="0" indent="0">
+              <a:spcBef>
+                <a:spcPts val="0"/>
+              </a:spcBef>
             </a:pPr>
-            <a:endParaRPr/>
+            <a:r>
+              <a:rPr lang="en-US" b="1" u="sng" dirty="0"/>
+              <a:t>Hyperparameters Tuning the Random Forest Model </a:t>
+            </a:r>
           </a:p>
-        </p:txBody>
-      </p:sp>
-      <p:sp>
-        <p:nvSpPr>
-          <p:cNvPr id="126" name="Google Shape;126;p1"/>
-          <p:cNvSpPr txBox="1">
-            <a:spLocks noGrp="1"/>
-          </p:cNvSpPr>
-          <p:nvPr>
-            <p:ph type="body" idx="7"/>
-          </p:nvPr>
-        </p:nvSpPr>
-        <p:spPr>
-          <a:xfrm>
-            <a:off x="22402536" y="5548749"/>
-            <a:ext cx="10058400" cy="754045"/>
-          </a:xfrm>
-          <a:prstGeom prst="rect">
-            <a:avLst/>
-          </a:prstGeom>
-          <a:noFill/>
-          <a:ln>
-            <a:noFill/>
-          </a:ln>
-        </p:spPr>
-        <p:txBody>
-          <a:bodyPr spcFirstLastPara="1" wrap="square" lIns="91425" tIns="91425" rIns="91425" bIns="91425" anchor="ctr" anchorCtr="0">
-            <a:spAutoFit/>
-          </a:bodyPr>
-          <a:lstStyle/>
           <a:p>
-            <a:pPr marL="0" lvl="0" indent="0" algn="ctr" rtl="0">
-              <a:spcBef>
-                <a:spcPts val="0"/>
-              </a:spcBef>
-              <a:spcAft>
-                <a:spcPts val="0"/>
-              </a:spcAft>
-              <a:buClr>
-                <a:srgbClr val="4B376B"/>
-              </a:buClr>
-              <a:buSzPts val="3700"/>
-              <a:buNone/>
+            <a:pPr marL="0" lvl="0" indent="0">
+              <a:spcBef>
+                <a:spcPts val="0"/>
+              </a:spcBef>
             </a:pPr>
-            <a:endParaRPr/>
+            <a:r>
+              <a:rPr lang="en-US" dirty="0"/>
+              <a:t>I leverage grid search in training set, the selected parameters are:</a:t>
+            </a:r>
+          </a:p>
+          <a:p>
+            <a:pPr marL="342900" lvl="0" indent="-342900">
+              <a:spcBef>
+                <a:spcPts val="0"/>
+              </a:spcBef>
+              <a:buFont typeface="Arial" panose="020B0604020202020204" pitchFamily="34" charset="0"/>
+              <a:buChar char="•"/>
+            </a:pPr>
+            <a:r>
+              <a:rPr lang="en-US" dirty="0"/>
+              <a:t>grid['</a:t>
+            </a:r>
+            <a:r>
+              <a:rPr lang="en-US" dirty="0" err="1"/>
+              <a:t>n_estimators</a:t>
+            </a:r>
+            <a:r>
+              <a:rPr lang="en-US" dirty="0"/>
+              <a:t>'] = [100, </a:t>
+            </a:r>
+            <a:r>
+              <a:rPr lang="en-US" b="1" dirty="0">
+                <a:highlight>
+                  <a:srgbClr val="FFFF00"/>
+                </a:highlight>
+              </a:rPr>
+              <a:t>500</a:t>
+            </a:r>
+            <a:r>
+              <a:rPr lang="en-US" dirty="0"/>
+              <a:t>]</a:t>
+            </a:r>
+          </a:p>
+          <a:p>
+            <a:pPr marL="342900" lvl="0" indent="-342900">
+              <a:spcBef>
+                <a:spcPts val="0"/>
+              </a:spcBef>
+              <a:buFont typeface="Arial" panose="020B0604020202020204" pitchFamily="34" charset="0"/>
+              <a:buChar char="•"/>
+            </a:pPr>
+            <a:r>
+              <a:rPr lang="en-US" dirty="0"/>
+              <a:t>grid['</a:t>
+            </a:r>
+            <a:r>
+              <a:rPr lang="en-US" dirty="0" err="1"/>
+              <a:t>max_depth</a:t>
+            </a:r>
+            <a:r>
+              <a:rPr lang="en-US" dirty="0"/>
+              <a:t>'] = [5, 10, 50,</a:t>
+            </a:r>
+            <a:r>
+              <a:rPr lang="en-US" b="1" dirty="0"/>
+              <a:t> </a:t>
+            </a:r>
+            <a:r>
+              <a:rPr lang="en-US" b="1" dirty="0">
+                <a:highlight>
+                  <a:srgbClr val="FFFF00"/>
+                </a:highlight>
+              </a:rPr>
+              <a:t>100</a:t>
+            </a:r>
+            <a:r>
+              <a:rPr lang="en-US" dirty="0"/>
+              <a:t>]</a:t>
+            </a:r>
+          </a:p>
+          <a:p>
+            <a:pPr marL="342900" lvl="0" indent="-342900">
+              <a:spcBef>
+                <a:spcPts val="0"/>
+              </a:spcBef>
+              <a:buFont typeface="Arial" panose="020B0604020202020204" pitchFamily="34" charset="0"/>
+              <a:buChar char="•"/>
+            </a:pPr>
+            <a:endParaRPr lang="en-US" dirty="0"/>
+          </a:p>
+          <a:p>
+            <a:pPr marL="0" lvl="0" indent="0">
+              <a:spcBef>
+                <a:spcPts val="0"/>
+              </a:spcBef>
+            </a:pPr>
+            <a:r>
+              <a:rPr lang="en-US" b="1" u="sng" dirty="0"/>
+              <a:t>Random Forest Model Results</a:t>
+            </a:r>
+          </a:p>
+          <a:p>
+            <a:pPr marL="0" lvl="0" indent="0">
+              <a:spcBef>
+                <a:spcPts val="0"/>
+              </a:spcBef>
+            </a:pPr>
+            <a:r>
+              <a:rPr lang="en-US" sz="4000" b="1" dirty="0">
+                <a:solidFill>
+                  <a:srgbClr val="FF0000"/>
+                </a:solidFill>
+              </a:rPr>
+              <a:t>Testing Accuracy: 97.41%</a:t>
+            </a:r>
+          </a:p>
+          <a:p>
+            <a:pPr marL="0" lvl="0" indent="0">
+              <a:spcBef>
+                <a:spcPts val="0"/>
+              </a:spcBef>
+            </a:pPr>
+            <a:endParaRPr lang="en-US" dirty="0">
+              <a:solidFill>
+                <a:srgbClr val="FF0000"/>
+              </a:solidFill>
+            </a:endParaRPr>
+          </a:p>
+          <a:p>
+            <a:pPr marL="0" lvl="0" indent="0">
+              <a:spcBef>
+                <a:spcPts val="0"/>
+              </a:spcBef>
+            </a:pPr>
+            <a:r>
+              <a:rPr lang="en-US" b="1" u="sng" dirty="0"/>
+              <a:t>Random Forest Model Confusion Matrix</a:t>
+            </a:r>
+          </a:p>
+          <a:p>
+            <a:pPr marL="0" lvl="0" indent="0">
+              <a:spcBef>
+                <a:spcPts val="0"/>
+              </a:spcBef>
+            </a:pPr>
+            <a:endParaRPr lang="en-US" b="1" u="sng" dirty="0"/>
+          </a:p>
+          <a:p>
+            <a:pPr marL="0" lvl="0" indent="0">
+              <a:spcBef>
+                <a:spcPts val="0"/>
+              </a:spcBef>
+            </a:pPr>
+            <a:endParaRPr lang="en-US" b="1" u="sng" dirty="0"/>
+          </a:p>
+          <a:p>
+            <a:pPr marL="0" lvl="0" indent="0">
+              <a:spcBef>
+                <a:spcPts val="0"/>
+              </a:spcBef>
+            </a:pPr>
+            <a:endParaRPr lang="en-US" b="1" u="sng" dirty="0"/>
+          </a:p>
+          <a:p>
+            <a:pPr marL="0" lvl="0" indent="0">
+              <a:spcBef>
+                <a:spcPts val="0"/>
+              </a:spcBef>
+            </a:pPr>
+            <a:endParaRPr lang="en-US" b="1" u="sng" dirty="0"/>
+          </a:p>
+          <a:p>
+            <a:pPr marL="0" lvl="0" indent="0">
+              <a:spcBef>
+                <a:spcPts val="0"/>
+              </a:spcBef>
+            </a:pPr>
+            <a:endParaRPr lang="en-US" b="1" u="sng" dirty="0"/>
+          </a:p>
+          <a:p>
+            <a:pPr marL="0" lvl="0" indent="0">
+              <a:spcBef>
+                <a:spcPts val="0"/>
+              </a:spcBef>
+            </a:pPr>
+            <a:endParaRPr lang="en-US" b="1" u="sng" dirty="0"/>
+          </a:p>
+          <a:p>
+            <a:pPr marL="0" lvl="0" indent="0">
+              <a:spcBef>
+                <a:spcPts val="0"/>
+              </a:spcBef>
+            </a:pPr>
+            <a:endParaRPr lang="en-US" b="1" u="sng" dirty="0"/>
+          </a:p>
+          <a:p>
+            <a:pPr marL="0" lvl="0" indent="0">
+              <a:spcBef>
+                <a:spcPts val="0"/>
+              </a:spcBef>
+            </a:pPr>
+            <a:endParaRPr lang="en-US" b="1" u="sng" dirty="0"/>
+          </a:p>
+          <a:p>
+            <a:pPr marL="0" lvl="0" indent="0">
+              <a:spcBef>
+                <a:spcPts val="0"/>
+              </a:spcBef>
+            </a:pPr>
+            <a:endParaRPr lang="en-US" b="1" u="sng" dirty="0"/>
+          </a:p>
+          <a:p>
+            <a:pPr marL="0" lvl="0" indent="0">
+              <a:spcBef>
+                <a:spcPts val="0"/>
+              </a:spcBef>
+            </a:pPr>
+            <a:endParaRPr lang="en-US" b="1" u="sng" dirty="0"/>
+          </a:p>
+          <a:p>
+            <a:pPr marL="0" lvl="0" indent="0">
+              <a:spcBef>
+                <a:spcPts val="0"/>
+              </a:spcBef>
+            </a:pPr>
+            <a:endParaRPr lang="en-US" b="1" u="sng" dirty="0"/>
+          </a:p>
+          <a:p>
+            <a:pPr marL="0" lvl="0" indent="0">
+              <a:spcBef>
+                <a:spcPts val="0"/>
+              </a:spcBef>
+            </a:pPr>
+            <a:endParaRPr lang="en-US" b="1" u="sng" dirty="0"/>
+          </a:p>
+          <a:p>
+            <a:pPr marL="0" lvl="0" indent="0">
+              <a:spcBef>
+                <a:spcPts val="0"/>
+              </a:spcBef>
+            </a:pPr>
+            <a:endParaRPr lang="en-US" b="1" u="sng" dirty="0"/>
+          </a:p>
+          <a:p>
+            <a:pPr marL="0" lvl="0" indent="0">
+              <a:spcBef>
+                <a:spcPts val="0"/>
+              </a:spcBef>
+            </a:pPr>
+            <a:endParaRPr lang="en-US" b="1" u="sng" dirty="0"/>
+          </a:p>
+          <a:p>
+            <a:pPr marL="0" lvl="0" indent="0">
+              <a:spcBef>
+                <a:spcPts val="0"/>
+              </a:spcBef>
+            </a:pPr>
+            <a:endParaRPr lang="en-US" b="1" u="sng" dirty="0"/>
+          </a:p>
+          <a:p>
+            <a:pPr marL="0" lvl="0" indent="0">
+              <a:spcBef>
+                <a:spcPts val="0"/>
+              </a:spcBef>
+            </a:pPr>
+            <a:endParaRPr lang="en-US" b="1" u="sng" dirty="0"/>
+          </a:p>
+          <a:p>
+            <a:pPr marL="0" lvl="0" indent="0">
+              <a:spcBef>
+                <a:spcPts val="0"/>
+              </a:spcBef>
+            </a:pPr>
+            <a:endParaRPr lang="en-US" b="1" u="sng" dirty="0"/>
+          </a:p>
+          <a:p>
+            <a:pPr marL="0" lvl="0" indent="0">
+              <a:spcBef>
+                <a:spcPts val="0"/>
+              </a:spcBef>
+            </a:pPr>
+            <a:endParaRPr lang="en-US" b="1" u="sng" dirty="0"/>
+          </a:p>
+          <a:p>
+            <a:pPr marL="0" lvl="0" indent="0">
+              <a:spcBef>
+                <a:spcPts val="0"/>
+              </a:spcBef>
+            </a:pPr>
+            <a:endParaRPr lang="en-US" b="1" u="sng" dirty="0"/>
+          </a:p>
+          <a:p>
+            <a:pPr marL="0" lvl="0" indent="0">
+              <a:spcBef>
+                <a:spcPts val="0"/>
+              </a:spcBef>
+            </a:pPr>
+            <a:endParaRPr lang="en-US" b="1" u="sng" dirty="0"/>
+          </a:p>
+          <a:p>
+            <a:pPr marL="0" lvl="0" indent="0">
+              <a:spcBef>
+                <a:spcPts val="0"/>
+              </a:spcBef>
+            </a:pPr>
+            <a:r>
+              <a:rPr lang="en-US" b="1" u="sng" dirty="0"/>
+              <a:t>Random Forest Model Classification Report</a:t>
+            </a:r>
+          </a:p>
+          <a:p>
+            <a:pPr marL="0" lvl="0" indent="0">
+              <a:spcBef>
+                <a:spcPts val="0"/>
+              </a:spcBef>
+            </a:pPr>
+            <a:endParaRPr lang="en-US" b="1" u="sng" dirty="0"/>
+          </a:p>
+          <a:p>
+            <a:pPr marL="0" lvl="0" indent="0">
+              <a:spcBef>
+                <a:spcPts val="0"/>
+              </a:spcBef>
+            </a:pPr>
+            <a:endParaRPr lang="en-US" b="1" u="sng" dirty="0"/>
+          </a:p>
+          <a:p>
+            <a:pPr marL="0" lvl="0" indent="0">
+              <a:spcBef>
+                <a:spcPts val="0"/>
+              </a:spcBef>
+            </a:pPr>
+            <a:endParaRPr lang="en-US" b="1" u="sng" dirty="0"/>
+          </a:p>
+          <a:p>
+            <a:pPr marL="0" lvl="0" indent="0">
+              <a:spcBef>
+                <a:spcPts val="0"/>
+              </a:spcBef>
+            </a:pPr>
+            <a:endParaRPr lang="en-US" b="1" u="sng" dirty="0"/>
+          </a:p>
+          <a:p>
+            <a:pPr marL="0" lvl="0" indent="0">
+              <a:spcBef>
+                <a:spcPts val="0"/>
+              </a:spcBef>
+            </a:pPr>
+            <a:endParaRPr lang="en-US" b="1" u="sng" dirty="0"/>
+          </a:p>
+          <a:p>
+            <a:pPr marL="0" lvl="0" indent="0">
+              <a:spcBef>
+                <a:spcPts val="0"/>
+              </a:spcBef>
+            </a:pPr>
+            <a:endParaRPr lang="en-US" b="1" u="sng" dirty="0"/>
           </a:p>
         </p:txBody>
       </p:sp>
@@ -32986,7 +33320,7 @@
         </p:nvSpPr>
         <p:spPr>
           <a:xfrm>
-            <a:off x="33390291" y="5548749"/>
+            <a:off x="22121585" y="22020519"/>
             <a:ext cx="10047018" cy="754045"/>
           </a:xfrm>
           <a:prstGeom prst="rect">
@@ -33016,7 +33350,11 @@
               <a:buSzPts val="3700"/>
               <a:buNone/>
             </a:pPr>
-            <a:endParaRPr/>
+            <a:r>
+              <a:rPr lang="en-US" dirty="0"/>
+              <a:t>DEEP LEARNING MODEL</a:t>
+            </a:r>
+            <a:endParaRPr dirty="0"/>
           </a:p>
         </p:txBody>
       </p:sp>
@@ -33032,8 +33370,8 @@
         </p:nvSpPr>
         <p:spPr>
           <a:xfrm>
-            <a:off x="33390291" y="6378481"/>
-            <a:ext cx="10047018" cy="846363"/>
+            <a:off x="22418224" y="22637611"/>
+            <a:ext cx="10054835" cy="9464079"/>
           </a:xfrm>
           <a:prstGeom prst="rect">
             <a:avLst/>
@@ -33049,36 +33387,562 @@
           </a:bodyPr>
           <a:lstStyle/>
           <a:p>
-            <a:pPr marL="0" lvl="0" indent="0" algn="l" rtl="0">
-              <a:spcBef>
-                <a:spcPts val="0"/>
-              </a:spcBef>
-              <a:spcAft>
-                <a:spcPts val="0"/>
-              </a:spcAft>
-              <a:buClr>
-                <a:srgbClr val="4B376B"/>
-              </a:buClr>
-              <a:buSzPts val="2500"/>
-              <a:buNone/>
+            <a:pPr marL="0" lvl="0" indent="0">
+              <a:spcBef>
+                <a:spcPts val="0"/>
+              </a:spcBef>
             </a:pPr>
-            <a:endParaRPr/>
+            <a:r>
+              <a:rPr lang="en-US" b="1" u="sng" dirty="0"/>
+              <a:t>Why Deep Learning</a:t>
+            </a:r>
+          </a:p>
+          <a:p>
+            <a:pPr marL="0" lvl="0" indent="0">
+              <a:spcBef>
+                <a:spcPts val="0"/>
+              </a:spcBef>
+            </a:pPr>
+            <a:r>
+              <a:rPr lang="en-US" dirty="0"/>
+              <a:t>I would like to experiment with incrementally learning high-level features from data in order to capture more underlying relationships in the data.</a:t>
+            </a:r>
+          </a:p>
+          <a:p>
+            <a:pPr marL="0" lvl="0" indent="0">
+              <a:spcBef>
+                <a:spcPts val="0"/>
+              </a:spcBef>
+            </a:pPr>
+            <a:endParaRPr lang="en-US" dirty="0"/>
+          </a:p>
+          <a:p>
+            <a:pPr marL="0" lvl="0" indent="0">
+              <a:spcBef>
+                <a:spcPts val="0"/>
+              </a:spcBef>
+            </a:pPr>
+            <a:r>
+              <a:rPr lang="en-US" b="1" u="sng" dirty="0"/>
+              <a:t>Neuron Network Architecture </a:t>
+            </a:r>
+          </a:p>
+          <a:p>
+            <a:pPr marL="0" lvl="0" indent="0">
+              <a:spcBef>
+                <a:spcPts val="0"/>
+              </a:spcBef>
+            </a:pPr>
+            <a:r>
+              <a:rPr lang="en-US" sz="2000" dirty="0">
+                <a:solidFill>
+                  <a:schemeClr val="tx1">
+                    <a:lumMod val="65000"/>
+                    <a:lumOff val="35000"/>
+                  </a:schemeClr>
+                </a:solidFill>
+                <a:latin typeface="HGSSoeiKakugothicUB" panose="020B0900000000000000" pitchFamily="34" charset="-128"/>
+                <a:ea typeface="HGSSoeiKakugothicUB" panose="020B0900000000000000" pitchFamily="34" charset="-128"/>
+                <a:cs typeface="Times New Roman" panose="02020603050405020304" pitchFamily="18" charset="0"/>
+              </a:rPr>
+              <a:t>Model: "sequential"</a:t>
+            </a:r>
+          </a:p>
+          <a:p>
+            <a:pPr marL="0" lvl="0" indent="0">
+              <a:spcBef>
+                <a:spcPts val="0"/>
+              </a:spcBef>
+            </a:pPr>
+            <a:r>
+              <a:rPr lang="en-US" sz="2000" dirty="0">
+                <a:solidFill>
+                  <a:schemeClr val="tx1">
+                    <a:lumMod val="65000"/>
+                    <a:lumOff val="35000"/>
+                  </a:schemeClr>
+                </a:solidFill>
+                <a:latin typeface="HGSSoeiKakugothicUB" panose="020B0900000000000000" pitchFamily="34" charset="-128"/>
+                <a:ea typeface="HGSSoeiKakugothicUB" panose="020B0900000000000000" pitchFamily="34" charset="-128"/>
+                <a:cs typeface="Times New Roman" panose="02020603050405020304" pitchFamily="18" charset="0"/>
+              </a:rPr>
+              <a:t>_________________________________________________________________</a:t>
+            </a:r>
+          </a:p>
+          <a:p>
+            <a:pPr marL="0" lvl="0" indent="0">
+              <a:spcBef>
+                <a:spcPts val="0"/>
+              </a:spcBef>
+            </a:pPr>
+            <a:r>
+              <a:rPr lang="en-US" sz="2000" dirty="0">
+                <a:solidFill>
+                  <a:schemeClr val="tx1">
+                    <a:lumMod val="65000"/>
+                    <a:lumOff val="35000"/>
+                  </a:schemeClr>
+                </a:solidFill>
+                <a:latin typeface="HGSSoeiKakugothicUB" panose="020B0900000000000000" pitchFamily="34" charset="-128"/>
+                <a:ea typeface="HGSSoeiKakugothicUB" panose="020B0900000000000000" pitchFamily="34" charset="-128"/>
+                <a:cs typeface="Times New Roman" panose="02020603050405020304" pitchFamily="18" charset="0"/>
+              </a:rPr>
+              <a:t> Layer (type)                Output Shape              Param #                Activation</a:t>
+            </a:r>
+          </a:p>
+          <a:p>
+            <a:pPr marL="0" lvl="0" indent="0">
+              <a:spcBef>
+                <a:spcPts val="0"/>
+              </a:spcBef>
+            </a:pPr>
+            <a:r>
+              <a:rPr lang="en-US" sz="2000" dirty="0">
+                <a:solidFill>
+                  <a:schemeClr val="tx1">
+                    <a:lumMod val="65000"/>
+                    <a:lumOff val="35000"/>
+                  </a:schemeClr>
+                </a:solidFill>
+                <a:latin typeface="HGSSoeiKakugothicUB" panose="020B0900000000000000" pitchFamily="34" charset="-128"/>
+                <a:ea typeface="HGSSoeiKakugothicUB" panose="020B0900000000000000" pitchFamily="34" charset="-128"/>
+                <a:cs typeface="Times New Roman" panose="02020603050405020304" pitchFamily="18" charset="0"/>
+              </a:rPr>
+              <a:t>=================================================================</a:t>
+            </a:r>
+          </a:p>
+          <a:p>
+            <a:pPr marL="0" lvl="0" indent="0">
+              <a:spcBef>
+                <a:spcPts val="0"/>
+              </a:spcBef>
+            </a:pPr>
+            <a:r>
+              <a:rPr lang="en-US" sz="2000" dirty="0">
+                <a:solidFill>
+                  <a:schemeClr val="tx1">
+                    <a:lumMod val="65000"/>
+                    <a:lumOff val="35000"/>
+                  </a:schemeClr>
+                </a:solidFill>
+                <a:latin typeface="HGSSoeiKakugothicUB" panose="020B0900000000000000" pitchFamily="34" charset="-128"/>
+                <a:ea typeface="HGSSoeiKakugothicUB" panose="020B0900000000000000" pitchFamily="34" charset="-128"/>
+                <a:cs typeface="Times New Roman" panose="02020603050405020304" pitchFamily="18" charset="0"/>
+              </a:rPr>
+              <a:t> dense (Dense)               (None, 8192)            103129088          [</a:t>
+            </a:r>
+            <a:r>
+              <a:rPr lang="en-US" sz="2000" dirty="0" err="1">
+                <a:solidFill>
+                  <a:schemeClr val="tx1">
+                    <a:lumMod val="65000"/>
+                    <a:lumOff val="35000"/>
+                  </a:schemeClr>
+                </a:solidFill>
+                <a:latin typeface="HGSSoeiKakugothicUB" panose="020B0900000000000000" pitchFamily="34" charset="-128"/>
+                <a:ea typeface="HGSSoeiKakugothicUB" panose="020B0900000000000000" pitchFamily="34" charset="-128"/>
+                <a:cs typeface="Times New Roman" panose="02020603050405020304" pitchFamily="18" charset="0"/>
+              </a:rPr>
+              <a:t>relu</a:t>
+            </a:r>
+            <a:r>
+              <a:rPr lang="en-US" sz="2000" dirty="0">
+                <a:solidFill>
+                  <a:schemeClr val="tx1">
+                    <a:lumMod val="65000"/>
+                    <a:lumOff val="35000"/>
+                  </a:schemeClr>
+                </a:solidFill>
+                <a:latin typeface="HGSSoeiKakugothicUB" panose="020B0900000000000000" pitchFamily="34" charset="-128"/>
+                <a:ea typeface="HGSSoeiKakugothicUB" panose="020B0900000000000000" pitchFamily="34" charset="-128"/>
+                <a:cs typeface="Times New Roman" panose="02020603050405020304" pitchFamily="18" charset="0"/>
+              </a:rPr>
+              <a:t>]                                                     </a:t>
+            </a:r>
+          </a:p>
+          <a:p>
+            <a:pPr marL="0" lvl="0" indent="0">
+              <a:spcBef>
+                <a:spcPts val="0"/>
+              </a:spcBef>
+            </a:pPr>
+            <a:r>
+              <a:rPr lang="en-US" sz="2000" dirty="0">
+                <a:solidFill>
+                  <a:schemeClr val="tx1">
+                    <a:lumMod val="65000"/>
+                    <a:lumOff val="35000"/>
+                  </a:schemeClr>
+                </a:solidFill>
+                <a:latin typeface="HGSSoeiKakugothicUB" panose="020B0900000000000000" pitchFamily="34" charset="-128"/>
+                <a:ea typeface="HGSSoeiKakugothicUB" panose="020B0900000000000000" pitchFamily="34" charset="-128"/>
+                <a:cs typeface="Times New Roman" panose="02020603050405020304" pitchFamily="18" charset="0"/>
+              </a:rPr>
+              <a:t> dropout (Dropout)           (None, 8192)            0                                                                        </a:t>
+            </a:r>
+          </a:p>
+          <a:p>
+            <a:pPr marL="0" lvl="0" indent="0">
+              <a:spcBef>
+                <a:spcPts val="0"/>
+              </a:spcBef>
+            </a:pPr>
+            <a:r>
+              <a:rPr lang="en-US" sz="2000" dirty="0">
+                <a:solidFill>
+                  <a:schemeClr val="tx1">
+                    <a:lumMod val="65000"/>
+                    <a:lumOff val="35000"/>
+                  </a:schemeClr>
+                </a:solidFill>
+                <a:latin typeface="HGSSoeiKakugothicUB" panose="020B0900000000000000" pitchFamily="34" charset="-128"/>
+                <a:ea typeface="HGSSoeiKakugothicUB" panose="020B0900000000000000" pitchFamily="34" charset="-128"/>
+                <a:cs typeface="Times New Roman" panose="02020603050405020304" pitchFamily="18" charset="0"/>
+              </a:rPr>
+              <a:t> dense_1 (Dense)            (None, 4096)            33558528            [</a:t>
+            </a:r>
+            <a:r>
+              <a:rPr lang="en-US" sz="2000" dirty="0" err="1">
+                <a:solidFill>
+                  <a:schemeClr val="tx1">
+                    <a:lumMod val="65000"/>
+                    <a:lumOff val="35000"/>
+                  </a:schemeClr>
+                </a:solidFill>
+                <a:latin typeface="HGSSoeiKakugothicUB" panose="020B0900000000000000" pitchFamily="34" charset="-128"/>
+                <a:ea typeface="HGSSoeiKakugothicUB" panose="020B0900000000000000" pitchFamily="34" charset="-128"/>
+                <a:cs typeface="Times New Roman" panose="02020603050405020304" pitchFamily="18" charset="0"/>
+              </a:rPr>
+              <a:t>relu</a:t>
+            </a:r>
+            <a:r>
+              <a:rPr lang="en-US" sz="2000" dirty="0">
+                <a:solidFill>
+                  <a:schemeClr val="tx1">
+                    <a:lumMod val="65000"/>
+                    <a:lumOff val="35000"/>
+                  </a:schemeClr>
+                </a:solidFill>
+                <a:latin typeface="HGSSoeiKakugothicUB" panose="020B0900000000000000" pitchFamily="34" charset="-128"/>
+                <a:ea typeface="HGSSoeiKakugothicUB" panose="020B0900000000000000" pitchFamily="34" charset="-128"/>
+                <a:cs typeface="Times New Roman" panose="02020603050405020304" pitchFamily="18" charset="0"/>
+              </a:rPr>
+              <a:t>]                                                   </a:t>
+            </a:r>
+          </a:p>
+          <a:p>
+            <a:pPr marL="0" lvl="0" indent="0">
+              <a:spcBef>
+                <a:spcPts val="0"/>
+              </a:spcBef>
+            </a:pPr>
+            <a:r>
+              <a:rPr lang="en-US" sz="2000" dirty="0">
+                <a:solidFill>
+                  <a:schemeClr val="tx1">
+                    <a:lumMod val="65000"/>
+                    <a:lumOff val="35000"/>
+                  </a:schemeClr>
+                </a:solidFill>
+                <a:latin typeface="HGSSoeiKakugothicUB" panose="020B0900000000000000" pitchFamily="34" charset="-128"/>
+                <a:ea typeface="HGSSoeiKakugothicUB" panose="020B0900000000000000" pitchFamily="34" charset="-128"/>
+                <a:cs typeface="Times New Roman" panose="02020603050405020304" pitchFamily="18" charset="0"/>
+              </a:rPr>
+              <a:t> dropout_1 (Dropout)         (None, 4096)           0                                                                        </a:t>
+            </a:r>
+          </a:p>
+          <a:p>
+            <a:pPr marL="0" lvl="0" indent="0">
+              <a:spcBef>
+                <a:spcPts val="0"/>
+              </a:spcBef>
+            </a:pPr>
+            <a:r>
+              <a:rPr lang="en-US" sz="2000" dirty="0">
+                <a:solidFill>
+                  <a:schemeClr val="tx1">
+                    <a:lumMod val="65000"/>
+                    <a:lumOff val="35000"/>
+                  </a:schemeClr>
+                </a:solidFill>
+                <a:latin typeface="HGSSoeiKakugothicUB" panose="020B0900000000000000" pitchFamily="34" charset="-128"/>
+                <a:ea typeface="HGSSoeiKakugothicUB" panose="020B0900000000000000" pitchFamily="34" charset="-128"/>
+                <a:cs typeface="Times New Roman" panose="02020603050405020304" pitchFamily="18" charset="0"/>
+              </a:rPr>
+              <a:t> dense_2 (Dense)             (None, 1024)           4195328                                                                 </a:t>
+            </a:r>
+          </a:p>
+          <a:p>
+            <a:pPr marL="0" lvl="0" indent="0">
+              <a:spcBef>
+                <a:spcPts val="0"/>
+              </a:spcBef>
+            </a:pPr>
+            <a:r>
+              <a:rPr lang="en-US" sz="2000" dirty="0">
+                <a:solidFill>
+                  <a:schemeClr val="tx1">
+                    <a:lumMod val="65000"/>
+                    <a:lumOff val="35000"/>
+                  </a:schemeClr>
+                </a:solidFill>
+                <a:latin typeface="HGSSoeiKakugothicUB" panose="020B0900000000000000" pitchFamily="34" charset="-128"/>
+                <a:ea typeface="HGSSoeiKakugothicUB" panose="020B0900000000000000" pitchFamily="34" charset="-128"/>
+                <a:cs typeface="Times New Roman" panose="02020603050405020304" pitchFamily="18" charset="0"/>
+              </a:rPr>
+              <a:t> dense_3 (Dense)             (None, 512)             524800              [sigmoid]                                                   </a:t>
+            </a:r>
+          </a:p>
+          <a:p>
+            <a:pPr marL="0" lvl="0" indent="0">
+              <a:spcBef>
+                <a:spcPts val="0"/>
+              </a:spcBef>
+            </a:pPr>
+            <a:r>
+              <a:rPr lang="en-US" sz="2000" dirty="0">
+                <a:solidFill>
+                  <a:schemeClr val="tx1">
+                    <a:lumMod val="65000"/>
+                    <a:lumOff val="35000"/>
+                  </a:schemeClr>
+                </a:solidFill>
+                <a:latin typeface="HGSSoeiKakugothicUB" panose="020B0900000000000000" pitchFamily="34" charset="-128"/>
+                <a:ea typeface="HGSSoeiKakugothicUB" panose="020B0900000000000000" pitchFamily="34" charset="-128"/>
+                <a:cs typeface="Times New Roman" panose="02020603050405020304" pitchFamily="18" charset="0"/>
+              </a:rPr>
+              <a:t> dense_4 (Dense)             (None, 256)             131328              [</a:t>
+            </a:r>
+            <a:r>
+              <a:rPr lang="en-US" sz="2000" dirty="0" err="1">
+                <a:solidFill>
+                  <a:schemeClr val="tx1">
+                    <a:lumMod val="65000"/>
+                    <a:lumOff val="35000"/>
+                  </a:schemeClr>
+                </a:solidFill>
+                <a:latin typeface="HGSSoeiKakugothicUB" panose="020B0900000000000000" pitchFamily="34" charset="-128"/>
+                <a:ea typeface="HGSSoeiKakugothicUB" panose="020B0900000000000000" pitchFamily="34" charset="-128"/>
+                <a:cs typeface="Times New Roman" panose="02020603050405020304" pitchFamily="18" charset="0"/>
+              </a:rPr>
+              <a:t>softmax</a:t>
+            </a:r>
+            <a:r>
+              <a:rPr lang="en-US" sz="2000" dirty="0">
+                <a:solidFill>
+                  <a:schemeClr val="tx1">
+                    <a:lumMod val="65000"/>
+                    <a:lumOff val="35000"/>
+                  </a:schemeClr>
+                </a:solidFill>
+                <a:latin typeface="HGSSoeiKakugothicUB" panose="020B0900000000000000" pitchFamily="34" charset="-128"/>
+                <a:ea typeface="HGSSoeiKakugothicUB" panose="020B0900000000000000" pitchFamily="34" charset="-128"/>
+                <a:cs typeface="Times New Roman" panose="02020603050405020304" pitchFamily="18" charset="0"/>
+              </a:rPr>
+              <a:t>]                                                  </a:t>
+            </a:r>
+          </a:p>
+          <a:p>
+            <a:pPr marL="0" lvl="0" indent="0">
+              <a:spcBef>
+                <a:spcPts val="0"/>
+              </a:spcBef>
+            </a:pPr>
+            <a:r>
+              <a:rPr lang="en-US" sz="2000" dirty="0">
+                <a:solidFill>
+                  <a:schemeClr val="tx1">
+                    <a:lumMod val="65000"/>
+                    <a:lumOff val="35000"/>
+                  </a:schemeClr>
+                </a:solidFill>
+                <a:latin typeface="HGSSoeiKakugothicUB" panose="020B0900000000000000" pitchFamily="34" charset="-128"/>
+                <a:ea typeface="HGSSoeiKakugothicUB" panose="020B0900000000000000" pitchFamily="34" charset="-128"/>
+                <a:cs typeface="Times New Roman" panose="02020603050405020304" pitchFamily="18" charset="0"/>
+              </a:rPr>
+              <a:t> dense_5 (Dense)             (None, 64)               16448                                                                </a:t>
+            </a:r>
+          </a:p>
+          <a:p>
+            <a:pPr marL="0" lvl="0" indent="0">
+              <a:spcBef>
+                <a:spcPts val="0"/>
+              </a:spcBef>
+            </a:pPr>
+            <a:r>
+              <a:rPr lang="en-US" sz="2000" dirty="0">
+                <a:solidFill>
+                  <a:schemeClr val="tx1">
+                    <a:lumMod val="65000"/>
+                    <a:lumOff val="35000"/>
+                  </a:schemeClr>
+                </a:solidFill>
+                <a:latin typeface="HGSSoeiKakugothicUB" panose="020B0900000000000000" pitchFamily="34" charset="-128"/>
+                <a:ea typeface="HGSSoeiKakugothicUB" panose="020B0900000000000000" pitchFamily="34" charset="-128"/>
+                <a:cs typeface="Times New Roman" panose="02020603050405020304" pitchFamily="18" charset="0"/>
+              </a:rPr>
+              <a:t> dense_6 (Dense)             (None, 1)                 65        	      [sigmoid]</a:t>
+            </a:r>
+          </a:p>
+          <a:p>
+            <a:pPr marL="0" lvl="0" indent="0">
+              <a:spcBef>
+                <a:spcPts val="0"/>
+              </a:spcBef>
+            </a:pPr>
+            <a:r>
+              <a:rPr lang="en-US" sz="2000" dirty="0">
+                <a:solidFill>
+                  <a:schemeClr val="tx1">
+                    <a:lumMod val="65000"/>
+                    <a:lumOff val="35000"/>
+                  </a:schemeClr>
+                </a:solidFill>
+                <a:latin typeface="HGSSoeiKakugothicUB" panose="020B0900000000000000" pitchFamily="34" charset="-128"/>
+                <a:ea typeface="HGSSoeiKakugothicUB" panose="020B0900000000000000" pitchFamily="34" charset="-128"/>
+                <a:cs typeface="Times New Roman" panose="02020603050405020304" pitchFamily="18" charset="0"/>
+              </a:rPr>
+              <a:t>                                                                 </a:t>
+            </a:r>
+          </a:p>
+          <a:p>
+            <a:pPr marL="0" lvl="0" indent="0">
+              <a:spcBef>
+                <a:spcPts val="0"/>
+              </a:spcBef>
+            </a:pPr>
+            <a:r>
+              <a:rPr lang="en-US" sz="2000" dirty="0">
+                <a:solidFill>
+                  <a:schemeClr val="tx1">
+                    <a:lumMod val="65000"/>
+                    <a:lumOff val="35000"/>
+                  </a:schemeClr>
+                </a:solidFill>
+                <a:latin typeface="HGSSoeiKakugothicUB" panose="020B0900000000000000" pitchFamily="34" charset="-128"/>
+                <a:ea typeface="HGSSoeiKakugothicUB" panose="020B0900000000000000" pitchFamily="34" charset="-128"/>
+                <a:cs typeface="Times New Roman" panose="02020603050405020304" pitchFamily="18" charset="0"/>
+              </a:rPr>
+              <a:t>=================================================================</a:t>
+            </a:r>
+          </a:p>
+          <a:p>
+            <a:pPr marL="0" lvl="0" indent="0">
+              <a:spcBef>
+                <a:spcPts val="0"/>
+              </a:spcBef>
+            </a:pPr>
+            <a:r>
+              <a:rPr lang="en-US" sz="2000" dirty="0">
+                <a:solidFill>
+                  <a:schemeClr val="tx1">
+                    <a:lumMod val="65000"/>
+                    <a:lumOff val="35000"/>
+                  </a:schemeClr>
+                </a:solidFill>
+                <a:latin typeface="HGSSoeiKakugothicUB" panose="020B0900000000000000" pitchFamily="34" charset="-128"/>
+                <a:ea typeface="HGSSoeiKakugothicUB" panose="020B0900000000000000" pitchFamily="34" charset="-128"/>
+                <a:cs typeface="Times New Roman" panose="02020603050405020304" pitchFamily="18" charset="0"/>
+              </a:rPr>
+              <a:t>Total params: 141,555,585</a:t>
+            </a:r>
+          </a:p>
+          <a:p>
+            <a:pPr marL="0" lvl="0" indent="0">
+              <a:spcBef>
+                <a:spcPts val="0"/>
+              </a:spcBef>
+            </a:pPr>
+            <a:r>
+              <a:rPr lang="en-US" sz="2000" dirty="0">
+                <a:solidFill>
+                  <a:schemeClr val="tx1">
+                    <a:lumMod val="65000"/>
+                    <a:lumOff val="35000"/>
+                  </a:schemeClr>
+                </a:solidFill>
+                <a:latin typeface="HGSSoeiKakugothicUB" panose="020B0900000000000000" pitchFamily="34" charset="-128"/>
+                <a:ea typeface="HGSSoeiKakugothicUB" panose="020B0900000000000000" pitchFamily="34" charset="-128"/>
+                <a:cs typeface="Times New Roman" panose="02020603050405020304" pitchFamily="18" charset="0"/>
+              </a:rPr>
+              <a:t>Trainable params: 141,555,585</a:t>
+            </a:r>
+          </a:p>
+          <a:p>
+            <a:pPr marL="0" lvl="0" indent="0">
+              <a:spcBef>
+                <a:spcPts val="0"/>
+              </a:spcBef>
+            </a:pPr>
+            <a:r>
+              <a:rPr lang="en-US" sz="2000" dirty="0">
+                <a:solidFill>
+                  <a:schemeClr val="tx1">
+                    <a:lumMod val="65000"/>
+                    <a:lumOff val="35000"/>
+                  </a:schemeClr>
+                </a:solidFill>
+                <a:latin typeface="HGSSoeiKakugothicUB" panose="020B0900000000000000" pitchFamily="34" charset="-128"/>
+                <a:ea typeface="HGSSoeiKakugothicUB" panose="020B0900000000000000" pitchFamily="34" charset="-128"/>
+                <a:cs typeface="Times New Roman" panose="02020603050405020304" pitchFamily="18" charset="0"/>
+              </a:rPr>
+              <a:t>Non-trainable params: 0</a:t>
+            </a:r>
+          </a:p>
+          <a:p>
+            <a:pPr marL="0" lvl="0" indent="0">
+              <a:spcBef>
+                <a:spcPts val="0"/>
+              </a:spcBef>
+            </a:pPr>
+            <a:r>
+              <a:rPr lang="en-US" sz="2000" dirty="0">
+                <a:solidFill>
+                  <a:schemeClr val="tx1">
+                    <a:lumMod val="65000"/>
+                    <a:lumOff val="35000"/>
+                  </a:schemeClr>
+                </a:solidFill>
+                <a:latin typeface="HGSSoeiKakugothicUB" panose="020B0900000000000000" pitchFamily="34" charset="-128"/>
+                <a:ea typeface="HGSSoeiKakugothicUB" panose="020B0900000000000000" pitchFamily="34" charset="-128"/>
+                <a:cs typeface="Times New Roman" panose="02020603050405020304" pitchFamily="18" charset="0"/>
+              </a:rPr>
+              <a:t>_________________________________________________________________</a:t>
+            </a:r>
+          </a:p>
+          <a:p>
+            <a:pPr marL="0" lvl="0" indent="0">
+              <a:spcBef>
+                <a:spcPts val="0"/>
+              </a:spcBef>
+            </a:pPr>
+            <a:endParaRPr lang="en-US" sz="2000" dirty="0">
+              <a:solidFill>
+                <a:schemeClr val="tx1">
+                  <a:lumMod val="65000"/>
+                  <a:lumOff val="35000"/>
+                </a:schemeClr>
+              </a:solidFill>
+              <a:latin typeface="HGSSoeiKakugothicUB" panose="020B0900000000000000" pitchFamily="34" charset="-128"/>
+              <a:ea typeface="HGSSoeiKakugothicUB" panose="020B0900000000000000" pitchFamily="34" charset="-128"/>
+              <a:cs typeface="Times New Roman" panose="02020603050405020304" pitchFamily="18" charset="0"/>
+            </a:endParaRPr>
           </a:p>
         </p:txBody>
       </p:sp>
       <p:sp>
         <p:nvSpPr>
-          <p:cNvPr id="129" name="Google Shape;129;p1"/>
+          <p:cNvPr id="131" name="Google Shape;131;p1"/>
           <p:cNvSpPr txBox="1">
             <a:spLocks noGrp="1"/>
           </p:cNvSpPr>
           <p:nvPr>
-            <p:ph type="body" idx="13"/>
+            <p:ph type="body" idx="15"/>
           </p:nvPr>
         </p:nvSpPr>
         <p:spPr>
           <a:xfrm>
-            <a:off x="33390291" y="14272738"/>
+            <a:off x="32704033" y="27935398"/>
             <a:ext cx="10047018" cy="754045"/>
           </a:xfrm>
           <a:prstGeom prst="rect">
@@ -33108,24 +33972,28 @@
               <a:buSzPts val="3700"/>
               <a:buNone/>
             </a:pPr>
-            <a:endParaRPr/>
+            <a:r>
+              <a:rPr lang="en-US" dirty="0"/>
+              <a:t>IMPROVEMENT AND FURTHER WORKS</a:t>
+            </a:r>
+            <a:endParaRPr dirty="0"/>
           </a:p>
         </p:txBody>
       </p:sp>
       <p:sp>
         <p:nvSpPr>
-          <p:cNvPr id="130" name="Google Shape;130;p1"/>
+          <p:cNvPr id="132" name="Google Shape;132;p1"/>
           <p:cNvSpPr txBox="1">
             <a:spLocks noGrp="1"/>
           </p:cNvSpPr>
           <p:nvPr>
-            <p:ph type="body" idx="14"/>
+            <p:ph type="body" idx="16"/>
           </p:nvPr>
         </p:nvSpPr>
         <p:spPr>
           <a:xfrm>
-            <a:off x="33390291" y="15011402"/>
-            <a:ext cx="10052050" cy="846363"/>
+            <a:off x="32470078" y="5664272"/>
+            <a:ext cx="10052050" cy="22236806"/>
           </a:xfrm>
           <a:prstGeom prst="rect">
             <a:avLst/>
@@ -33141,6 +34009,503 @@
           </a:bodyPr>
           <a:lstStyle/>
           <a:p>
+            <a:pPr marL="0" lvl="0" indent="0">
+              <a:spcBef>
+                <a:spcPts val="0"/>
+              </a:spcBef>
+            </a:pPr>
+            <a:r>
+              <a:rPr lang="en-US" b="1" u="sng" dirty="0"/>
+              <a:t>Hyperparameters Tuning the Deep Learning Model</a:t>
+            </a:r>
+            <a:endParaRPr lang="en-US" dirty="0"/>
+          </a:p>
+          <a:p>
+            <a:pPr marL="342900" lvl="0" indent="-342900">
+              <a:spcBef>
+                <a:spcPts val="0"/>
+              </a:spcBef>
+              <a:buFont typeface="Arial" panose="020B0604020202020204" pitchFamily="34" charset="0"/>
+              <a:buChar char="•"/>
+            </a:pPr>
+            <a:r>
+              <a:rPr lang="en-US" dirty="0"/>
+              <a:t>Train-test split: 80 % training, 20 % testing. I also use the testing set for 		       validation set during training.</a:t>
+            </a:r>
+          </a:p>
+          <a:p>
+            <a:pPr marL="342900" lvl="0" indent="-342900">
+              <a:spcBef>
+                <a:spcPts val="0"/>
+              </a:spcBef>
+              <a:buFont typeface="Arial" panose="020B0604020202020204" pitchFamily="34" charset="0"/>
+              <a:buChar char="•"/>
+            </a:pPr>
+            <a:r>
+              <a:rPr lang="en-US" dirty="0"/>
+              <a:t>Learning Rate: 0.0001</a:t>
+            </a:r>
+          </a:p>
+          <a:p>
+            <a:pPr marL="342900" lvl="0" indent="-342900">
+              <a:spcBef>
+                <a:spcPts val="0"/>
+              </a:spcBef>
+              <a:buFont typeface="Arial" panose="020B0604020202020204" pitchFamily="34" charset="0"/>
+              <a:buChar char="•"/>
+            </a:pPr>
+            <a:r>
+              <a:rPr lang="en-US" dirty="0"/>
+              <a:t>Optimizer: Adam</a:t>
+            </a:r>
+          </a:p>
+          <a:p>
+            <a:pPr marL="342900" lvl="0" indent="-342900">
+              <a:spcBef>
+                <a:spcPts val="0"/>
+              </a:spcBef>
+              <a:buFont typeface="Arial" panose="020B0604020202020204" pitchFamily="34" charset="0"/>
+              <a:buChar char="•"/>
+            </a:pPr>
+            <a:r>
+              <a:rPr lang="en-US" dirty="0"/>
+              <a:t>Loss Function: Binary </a:t>
+            </a:r>
+            <a:r>
+              <a:rPr lang="en-US" dirty="0" err="1"/>
+              <a:t>Crossentropy</a:t>
+            </a:r>
+            <a:endParaRPr lang="en-US" dirty="0"/>
+          </a:p>
+          <a:p>
+            <a:pPr marL="342900" lvl="0" indent="-342900">
+              <a:spcBef>
+                <a:spcPts val="0"/>
+              </a:spcBef>
+              <a:buFont typeface="Arial" panose="020B0604020202020204" pitchFamily="34" charset="0"/>
+              <a:buChar char="•"/>
+            </a:pPr>
+            <a:r>
+              <a:rPr lang="en-US" dirty="0"/>
+              <a:t>Grid Search: batch size = [</a:t>
+            </a:r>
+            <a:r>
+              <a:rPr lang="en-US" b="1" dirty="0">
+                <a:highlight>
+                  <a:srgbClr val="FFFF00"/>
+                </a:highlight>
+              </a:rPr>
+              <a:t>64</a:t>
+            </a:r>
+            <a:r>
+              <a:rPr lang="en-US" dirty="0"/>
+              <a:t>, 128], epochs = [10, 20, </a:t>
+            </a:r>
+            <a:r>
+              <a:rPr lang="en-US" b="1" dirty="0">
+                <a:highlight>
+                  <a:srgbClr val="FFFF00"/>
+                </a:highlight>
+              </a:rPr>
+              <a:t>50</a:t>
+            </a:r>
+            <a:r>
+              <a:rPr lang="en-US" dirty="0"/>
+              <a:t>], 3-fold cv</a:t>
+            </a:r>
+          </a:p>
+          <a:p>
+            <a:pPr marL="0" lvl="0" indent="0">
+              <a:spcBef>
+                <a:spcPts val="0"/>
+              </a:spcBef>
+            </a:pPr>
+            <a:endParaRPr lang="en-US" dirty="0"/>
+          </a:p>
+          <a:p>
+            <a:pPr marL="0" lvl="0" indent="0">
+              <a:spcBef>
+                <a:spcPts val="0"/>
+              </a:spcBef>
+            </a:pPr>
+            <a:r>
+              <a:rPr lang="en-US" b="1" u="sng" dirty="0"/>
+              <a:t>Training and Validation</a:t>
+            </a:r>
+          </a:p>
+          <a:p>
+            <a:pPr marL="0" lvl="0" indent="0">
+              <a:spcBef>
+                <a:spcPts val="0"/>
+              </a:spcBef>
+            </a:pPr>
+            <a:endParaRPr lang="en-US" b="1" u="sng" dirty="0"/>
+          </a:p>
+          <a:p>
+            <a:pPr marL="0" lvl="0" indent="0">
+              <a:spcBef>
+                <a:spcPts val="0"/>
+              </a:spcBef>
+            </a:pPr>
+            <a:endParaRPr lang="en-US" b="1" u="sng" dirty="0"/>
+          </a:p>
+          <a:p>
+            <a:pPr marL="0" lvl="0" indent="0">
+              <a:spcBef>
+                <a:spcPts val="0"/>
+              </a:spcBef>
+            </a:pPr>
+            <a:endParaRPr lang="en-US" b="1" u="sng" dirty="0"/>
+          </a:p>
+          <a:p>
+            <a:pPr marL="0" lvl="0" indent="0">
+              <a:spcBef>
+                <a:spcPts val="0"/>
+              </a:spcBef>
+            </a:pPr>
+            <a:endParaRPr lang="en-US" b="1" u="sng" dirty="0"/>
+          </a:p>
+          <a:p>
+            <a:pPr marL="0" lvl="0" indent="0">
+              <a:spcBef>
+                <a:spcPts val="0"/>
+              </a:spcBef>
+            </a:pPr>
+            <a:endParaRPr lang="en-US" b="1" u="sng" dirty="0"/>
+          </a:p>
+          <a:p>
+            <a:pPr marL="0" lvl="0" indent="0">
+              <a:spcBef>
+                <a:spcPts val="0"/>
+              </a:spcBef>
+            </a:pPr>
+            <a:endParaRPr lang="en-US" b="1" u="sng" dirty="0"/>
+          </a:p>
+          <a:p>
+            <a:pPr marL="0" lvl="0" indent="0">
+              <a:spcBef>
+                <a:spcPts val="0"/>
+              </a:spcBef>
+            </a:pPr>
+            <a:endParaRPr lang="en-US" b="1" u="sng" dirty="0"/>
+          </a:p>
+          <a:p>
+            <a:pPr marL="0" lvl="0" indent="0">
+              <a:spcBef>
+                <a:spcPts val="0"/>
+              </a:spcBef>
+            </a:pPr>
+            <a:endParaRPr lang="en-US" b="1" u="sng" dirty="0"/>
+          </a:p>
+          <a:p>
+            <a:pPr marL="0" lvl="0" indent="0">
+              <a:spcBef>
+                <a:spcPts val="0"/>
+              </a:spcBef>
+            </a:pPr>
+            <a:endParaRPr lang="en-US" b="1" u="sng" dirty="0"/>
+          </a:p>
+          <a:p>
+            <a:pPr marL="0" lvl="0" indent="0">
+              <a:spcBef>
+                <a:spcPts val="0"/>
+              </a:spcBef>
+            </a:pPr>
+            <a:endParaRPr lang="en-US" b="1" u="sng" dirty="0"/>
+          </a:p>
+          <a:p>
+            <a:pPr marL="0" lvl="0" indent="0">
+              <a:spcBef>
+                <a:spcPts val="0"/>
+              </a:spcBef>
+            </a:pPr>
+            <a:endParaRPr lang="en-US" b="1" u="sng" dirty="0"/>
+          </a:p>
+          <a:p>
+            <a:pPr marL="0" lvl="0" indent="0">
+              <a:spcBef>
+                <a:spcPts val="0"/>
+              </a:spcBef>
+            </a:pPr>
+            <a:endParaRPr lang="en-US" b="1" u="sng" dirty="0"/>
+          </a:p>
+          <a:p>
+            <a:pPr marL="0" lvl="0" indent="0">
+              <a:spcBef>
+                <a:spcPts val="0"/>
+              </a:spcBef>
+            </a:pPr>
+            <a:r>
+              <a:rPr lang="en-US" b="1" u="sng" dirty="0"/>
+              <a:t>Deep Learning Model Results</a:t>
+            </a:r>
+          </a:p>
+          <a:p>
+            <a:pPr marL="0" lvl="0" indent="0">
+              <a:spcBef>
+                <a:spcPts val="0"/>
+              </a:spcBef>
+            </a:pPr>
+            <a:r>
+              <a:rPr lang="en-US" sz="4000" b="1" dirty="0">
+                <a:solidFill>
+                  <a:srgbClr val="FF0000"/>
+                </a:solidFill>
+              </a:rPr>
+              <a:t>Testing Accuracy: 87.83%</a:t>
+            </a:r>
+          </a:p>
+          <a:p>
+            <a:pPr marL="0" lvl="0" indent="0">
+              <a:spcBef>
+                <a:spcPts val="0"/>
+              </a:spcBef>
+            </a:pPr>
+            <a:endParaRPr lang="en-US" b="1" u="sng" dirty="0"/>
+          </a:p>
+          <a:p>
+            <a:pPr marL="0" lvl="0" indent="0">
+              <a:spcBef>
+                <a:spcPts val="0"/>
+              </a:spcBef>
+            </a:pPr>
+            <a:r>
+              <a:rPr lang="en-US" b="1" u="sng" dirty="0"/>
+              <a:t>Deep Learning Model Confusion Matrix</a:t>
+            </a:r>
+          </a:p>
+          <a:p>
+            <a:pPr marL="0" lvl="0" indent="0">
+              <a:spcBef>
+                <a:spcPts val="0"/>
+              </a:spcBef>
+            </a:pPr>
+            <a:endParaRPr lang="en-US" sz="4000" b="1" dirty="0">
+              <a:solidFill>
+                <a:srgbClr val="FF0000"/>
+              </a:solidFill>
+            </a:endParaRPr>
+          </a:p>
+          <a:p>
+            <a:pPr marL="0" lvl="0" indent="0">
+              <a:spcBef>
+                <a:spcPts val="0"/>
+              </a:spcBef>
+            </a:pPr>
+            <a:endParaRPr lang="en-US" sz="4000" b="1" dirty="0">
+              <a:solidFill>
+                <a:srgbClr val="FF0000"/>
+              </a:solidFill>
+            </a:endParaRPr>
+          </a:p>
+          <a:p>
+            <a:pPr marL="0" lvl="0" indent="0">
+              <a:spcBef>
+                <a:spcPts val="0"/>
+              </a:spcBef>
+            </a:pPr>
+            <a:endParaRPr lang="en-US" sz="4000" b="1" dirty="0">
+              <a:solidFill>
+                <a:srgbClr val="FF0000"/>
+              </a:solidFill>
+            </a:endParaRPr>
+          </a:p>
+          <a:p>
+            <a:pPr marL="0" lvl="0" indent="0">
+              <a:spcBef>
+                <a:spcPts val="0"/>
+              </a:spcBef>
+            </a:pPr>
+            <a:endParaRPr lang="en-US" sz="4000" b="1" dirty="0">
+              <a:solidFill>
+                <a:srgbClr val="FF0000"/>
+              </a:solidFill>
+            </a:endParaRPr>
+          </a:p>
+          <a:p>
+            <a:pPr marL="0" lvl="0" indent="0">
+              <a:spcBef>
+                <a:spcPts val="0"/>
+              </a:spcBef>
+            </a:pPr>
+            <a:endParaRPr lang="en-US" sz="4000" b="1" dirty="0">
+              <a:solidFill>
+                <a:srgbClr val="FF0000"/>
+              </a:solidFill>
+            </a:endParaRPr>
+          </a:p>
+          <a:p>
+            <a:pPr marL="0" lvl="0" indent="0">
+              <a:spcBef>
+                <a:spcPts val="0"/>
+              </a:spcBef>
+            </a:pPr>
+            <a:endParaRPr lang="en-US" sz="4000" b="1" dirty="0">
+              <a:solidFill>
+                <a:srgbClr val="FF0000"/>
+              </a:solidFill>
+            </a:endParaRPr>
+          </a:p>
+          <a:p>
+            <a:pPr marL="0" lvl="0" indent="0">
+              <a:spcBef>
+                <a:spcPts val="0"/>
+              </a:spcBef>
+            </a:pPr>
+            <a:endParaRPr lang="en-US" sz="4000" b="1" dirty="0">
+              <a:solidFill>
+                <a:srgbClr val="FF0000"/>
+              </a:solidFill>
+            </a:endParaRPr>
+          </a:p>
+          <a:p>
+            <a:pPr marL="0" lvl="0" indent="0">
+              <a:spcBef>
+                <a:spcPts val="0"/>
+              </a:spcBef>
+            </a:pPr>
+            <a:endParaRPr lang="en-US" sz="4000" b="1" dirty="0">
+              <a:solidFill>
+                <a:srgbClr val="FF0000"/>
+              </a:solidFill>
+            </a:endParaRPr>
+          </a:p>
+          <a:p>
+            <a:pPr marL="0" lvl="0" indent="0">
+              <a:spcBef>
+                <a:spcPts val="0"/>
+              </a:spcBef>
+            </a:pPr>
+            <a:endParaRPr lang="en-US" sz="4000" b="1" dirty="0">
+              <a:solidFill>
+                <a:srgbClr val="FF0000"/>
+              </a:solidFill>
+            </a:endParaRPr>
+          </a:p>
+          <a:p>
+            <a:pPr marL="0" lvl="0" indent="0">
+              <a:spcBef>
+                <a:spcPts val="0"/>
+              </a:spcBef>
+            </a:pPr>
+            <a:endParaRPr lang="en-US" sz="4000" b="1" dirty="0">
+              <a:solidFill>
+                <a:srgbClr val="FF0000"/>
+              </a:solidFill>
+            </a:endParaRPr>
+          </a:p>
+          <a:p>
+            <a:pPr marL="0" lvl="0" indent="0">
+              <a:spcBef>
+                <a:spcPts val="0"/>
+              </a:spcBef>
+            </a:pPr>
+            <a:endParaRPr lang="en-US" sz="4000" b="1" dirty="0">
+              <a:solidFill>
+                <a:srgbClr val="FF0000"/>
+              </a:solidFill>
+            </a:endParaRPr>
+          </a:p>
+          <a:p>
+            <a:pPr marL="0" lvl="0" indent="0">
+              <a:spcBef>
+                <a:spcPts val="0"/>
+              </a:spcBef>
+            </a:pPr>
+            <a:endParaRPr lang="en-US" sz="4000" b="1" dirty="0">
+              <a:solidFill>
+                <a:srgbClr val="FF0000"/>
+              </a:solidFill>
+            </a:endParaRPr>
+          </a:p>
+          <a:p>
+            <a:pPr marL="0" lvl="0" indent="0">
+              <a:spcBef>
+                <a:spcPts val="0"/>
+              </a:spcBef>
+            </a:pPr>
+            <a:endParaRPr lang="en-US" b="1" u="sng" dirty="0"/>
+          </a:p>
+          <a:p>
+            <a:pPr marL="0" lvl="0" indent="0">
+              <a:spcBef>
+                <a:spcPts val="0"/>
+              </a:spcBef>
+            </a:pPr>
+            <a:r>
+              <a:rPr lang="en-US" b="1" u="sng" dirty="0"/>
+              <a:t>Deep Learning Model Classification Report</a:t>
+            </a:r>
+          </a:p>
+          <a:p>
+            <a:pPr marL="0" lvl="0" indent="0">
+              <a:spcBef>
+                <a:spcPts val="0"/>
+              </a:spcBef>
+            </a:pPr>
+            <a:endParaRPr lang="en-US" b="1" u="sng" dirty="0"/>
+          </a:p>
+          <a:p>
+            <a:pPr marL="0" lvl="0" indent="0">
+              <a:spcBef>
+                <a:spcPts val="0"/>
+              </a:spcBef>
+            </a:pPr>
+            <a:endParaRPr lang="en-US" sz="4000" b="1" dirty="0">
+              <a:solidFill>
+                <a:srgbClr val="FF0000"/>
+              </a:solidFill>
+            </a:endParaRPr>
+          </a:p>
+          <a:p>
+            <a:pPr marL="0" lvl="0" indent="0">
+              <a:spcBef>
+                <a:spcPts val="0"/>
+              </a:spcBef>
+            </a:pPr>
+            <a:endParaRPr lang="en-US" sz="4000" b="1" dirty="0">
+              <a:solidFill>
+                <a:srgbClr val="FF0000"/>
+              </a:solidFill>
+            </a:endParaRPr>
+          </a:p>
+          <a:p>
+            <a:pPr marL="0" lvl="0" indent="0">
+              <a:spcBef>
+                <a:spcPts val="0"/>
+              </a:spcBef>
+            </a:pPr>
+            <a:endParaRPr lang="en-US" sz="4000" b="1" dirty="0">
+              <a:solidFill>
+                <a:srgbClr val="FF0000"/>
+              </a:solidFill>
+            </a:endParaRPr>
+          </a:p>
+          <a:p>
+            <a:pPr marL="0" lvl="0" indent="0">
+              <a:spcBef>
+                <a:spcPts val="0"/>
+              </a:spcBef>
+            </a:pPr>
+            <a:endParaRPr lang="en-US" dirty="0"/>
+          </a:p>
+          <a:p>
+            <a:pPr marL="0" lvl="0" indent="0">
+              <a:spcBef>
+                <a:spcPts val="0"/>
+              </a:spcBef>
+            </a:pPr>
+            <a:endParaRPr lang="en-US" dirty="0"/>
+          </a:p>
+          <a:p>
+            <a:pPr marL="0" lvl="0" indent="0">
+              <a:spcBef>
+                <a:spcPts val="0"/>
+              </a:spcBef>
+            </a:pPr>
+            <a:endParaRPr lang="en-US" dirty="0"/>
+          </a:p>
+          <a:p>
             <a:pPr marL="0" lvl="0" indent="0" algn="l" rtl="0">
               <a:spcBef>
                 <a:spcPts val="0"/>
@@ -33154,99 +34519,7 @@
               <a:buSzPts val="2500"/>
               <a:buNone/>
             </a:pPr>
-            <a:endParaRPr/>
-          </a:p>
-        </p:txBody>
-      </p:sp>
-      <p:sp>
-        <p:nvSpPr>
-          <p:cNvPr id="131" name="Google Shape;131;p1"/>
-          <p:cNvSpPr txBox="1">
-            <a:spLocks noGrp="1"/>
-          </p:cNvSpPr>
-          <p:nvPr>
-            <p:ph type="body" idx="15"/>
-          </p:nvPr>
-        </p:nvSpPr>
-        <p:spPr>
-          <a:xfrm>
-            <a:off x="33390291" y="25679402"/>
-            <a:ext cx="10047018" cy="754045"/>
-          </a:xfrm>
-          <a:prstGeom prst="rect">
-            <a:avLst/>
-          </a:prstGeom>
-          <a:noFill/>
-          <a:ln>
-            <a:noFill/>
-          </a:ln>
-        </p:spPr>
-        <p:txBody>
-          <a:bodyPr spcFirstLastPara="1" wrap="square" lIns="91425" tIns="91425" rIns="91425" bIns="91425" anchor="ctr" anchorCtr="0">
-            <a:spAutoFit/>
-          </a:bodyPr>
-          <a:lstStyle/>
-          <a:p>
-            <a:pPr marL="0" lvl="0" indent="0" algn="ctr" rtl="0">
-              <a:spcBef>
-                <a:spcPts val="0"/>
-              </a:spcBef>
-              <a:spcAft>
-                <a:spcPts val="0"/>
-              </a:spcAft>
-              <a:buClr>
-                <a:srgbClr val="4B376B"/>
-              </a:buClr>
-              <a:buSzPts val="3700"/>
-              <a:buNone/>
-            </a:pPr>
-            <a:endParaRPr/>
-          </a:p>
-        </p:txBody>
-      </p:sp>
-      <p:sp>
-        <p:nvSpPr>
-          <p:cNvPr id="132" name="Google Shape;132;p1"/>
-          <p:cNvSpPr txBox="1">
-            <a:spLocks noGrp="1"/>
-          </p:cNvSpPr>
-          <p:nvPr>
-            <p:ph type="body" idx="16"/>
-          </p:nvPr>
-        </p:nvSpPr>
-        <p:spPr>
-          <a:xfrm>
-            <a:off x="33390291" y="26433447"/>
-            <a:ext cx="10052050" cy="846363"/>
-          </a:xfrm>
-          <a:prstGeom prst="rect">
-            <a:avLst/>
-          </a:prstGeom>
-          <a:noFill/>
-          <a:ln>
-            <a:noFill/>
-          </a:ln>
-        </p:spPr>
-        <p:txBody>
-          <a:bodyPr spcFirstLastPara="1" wrap="square" lIns="228575" tIns="228575" rIns="228575" bIns="228575" anchor="t" anchorCtr="0">
-            <a:spAutoFit/>
-          </a:bodyPr>
-          <a:lstStyle/>
-          <a:p>
-            <a:pPr marL="0" lvl="0" indent="0" algn="l" rtl="0">
-              <a:spcBef>
-                <a:spcPts val="0"/>
-              </a:spcBef>
-              <a:spcAft>
-                <a:spcPts val="0"/>
-              </a:spcAft>
-              <a:buClr>
-                <a:srgbClr val="4B376B"/>
-              </a:buClr>
-              <a:buSzPts val="2500"/>
-              <a:buNone/>
-            </a:pPr>
-            <a:endParaRPr/>
+            <a:endParaRPr dirty="0"/>
           </a:p>
         </p:txBody>
       </p:sp>
@@ -33340,10 +34613,16 @@
               <a:buNone/>
             </a:pPr>
             <a:r>
-              <a:rPr lang="en-US" dirty="0"/>
+              <a:rPr lang="en-US" dirty="0">
+                <a:latin typeface="Times New Roman" panose="02020603050405020304" pitchFamily="18" charset="0"/>
+                <a:cs typeface="Times New Roman" panose="02020603050405020304" pitchFamily="18" charset="0"/>
+              </a:rPr>
               <a:t>M.S. in Data Science, Department of Mathematics &amp; Statistics at American University</a:t>
             </a:r>
-            <a:endParaRPr dirty="0"/>
+            <a:endParaRPr dirty="0">
+              <a:latin typeface="Times New Roman" panose="02020603050405020304" pitchFamily="18" charset="0"/>
+              <a:cs typeface="Times New Roman" panose="02020603050405020304" pitchFamily="18" charset="0"/>
+            </a:endParaRPr>
           </a:p>
         </p:txBody>
       </p:sp>
@@ -33391,10 +34670,16 @@
               <a:buNone/>
             </a:pPr>
             <a:r>
-              <a:rPr lang="en-US" dirty="0"/>
+              <a:rPr lang="en-US" dirty="0">
+                <a:latin typeface="Times New Roman" panose="02020603050405020304" pitchFamily="18" charset="0"/>
+                <a:cs typeface="Times New Roman" panose="02020603050405020304" pitchFamily="18" charset="0"/>
+              </a:rPr>
               <a:t>Yunting Chiu</a:t>
             </a:r>
-            <a:endParaRPr dirty="0"/>
+            <a:endParaRPr dirty="0">
+              <a:latin typeface="Times New Roman" panose="02020603050405020304" pitchFamily="18" charset="0"/>
+              <a:cs typeface="Times New Roman" panose="02020603050405020304" pitchFamily="18" charset="0"/>
+            </a:endParaRPr>
           </a:p>
         </p:txBody>
       </p:sp>
@@ -33427,25 +34712,23 @@
           </a:bodyPr>
           <a:lstStyle/>
           <a:p>
-            <a:pPr marL="0" lvl="0" indent="0" algn="ctr" rtl="0">
-              <a:spcBef>
-                <a:spcPts val="0"/>
-              </a:spcBef>
-              <a:spcAft>
-                <a:spcPts val="0"/>
-              </a:spcAft>
-              <a:buClr>
-                <a:srgbClr val="4B376B"/>
-              </a:buClr>
+            <a:pPr marL="0" lvl="0" indent="0">
+              <a:spcBef>
+                <a:spcPts val="0"/>
+              </a:spcBef>
               <a:buSzPct val="100000"/>
-              <a:buFont typeface="Calibri"/>
-              <a:buNone/>
             </a:pPr>
             <a:r>
-              <a:rPr lang="en-US" sz="7200" dirty="0"/>
-              <a:t>Deepfake Video Classifier – Capture Images and Texts from Deepfake and Original Videos as Features</a:t>
+              <a:rPr lang="en-US" sz="6600" dirty="0">
+                <a:latin typeface="Times New Roman" panose="02020603050405020304" pitchFamily="18" charset="0"/>
+                <a:cs typeface="Times New Roman" panose="02020603050405020304" pitchFamily="18" charset="0"/>
+              </a:rPr>
+              <a:t>Deepfake Video Classifiers – Capture Images and Texts from Deepfake &amp; Real YouTube Videos as Features</a:t>
             </a:r>
-            <a:endParaRPr sz="7200" dirty="0"/>
+            <a:endParaRPr sz="6600" dirty="0">
+              <a:latin typeface="Times New Roman" panose="02020603050405020304" pitchFamily="18" charset="0"/>
+              <a:cs typeface="Times New Roman" panose="02020603050405020304" pitchFamily="18" charset="0"/>
+            </a:endParaRPr>
           </a:p>
         </p:txBody>
       </p:sp>
@@ -34034,7 +35317,7 @@
             </a:r>
             <a:r>
               <a:rPr lang="en-US" dirty="0"/>
-              <a:t>) that contains not only deepfake videos but also respective synthesized lip-synced fake audios. </a:t>
+              <a:t> [1]) that contains not only deepfake videos but also respective synthesized lip-synced fake audios. </a:t>
             </a:r>
             <a:r>
               <a:rPr lang="en-US" dirty="0" err="1"/>
@@ -34943,7 +36226,7 @@
           <a:p>
             <a:r>
               <a:rPr lang="en-US" b="0" u="none" dirty="0"/>
-              <a:t>Leverage a </a:t>
+              <a:t>Leverage the </a:t>
             </a:r>
             <a:r>
               <a:rPr lang="en-US" b="0" i="1" u="none" dirty="0"/>
@@ -34957,13 +36240,29 @@
           <a:p>
             <a:r>
               <a:rPr lang="en-US" b="0" u="none" dirty="0"/>
-              <a:t>Fake Texts: “it's just be widespread casted like 12 cast members”, “attraction 	carries not that she's being that and then that's address and everything”</a:t>
+              <a:t>Fake Texts: “</a:t>
+            </a:r>
+            <a:r>
+              <a:rPr lang="en-US" sz="2400" b="0" i="1" u="none" dirty="0"/>
+              <a:t>it's just be widespread casted like 12 cast members”, “attraction 	carries not that she's being that and then that's address and everything</a:t>
+            </a:r>
+            <a:r>
+              <a:rPr lang="en-US" b="0" u="none" dirty="0"/>
+              <a:t>”</a:t>
             </a:r>
           </a:p>
           <a:p>
             <a:r>
               <a:rPr lang="en-US" b="0" u="none" dirty="0"/>
-              <a:t>Real Texts: “beautiful I love the weather here I love like the warm climate 		I've loved every everywhere we go out to eat and”, “I said that 		you know God so had this plan where he thought I want”</a:t>
+              <a:t>Real Texts: “</a:t>
+            </a:r>
+            <a:r>
+              <a:rPr lang="en-US" sz="2400" b="0" i="1" u="none" dirty="0"/>
+              <a:t>beautiful I love the weather here I love like the warm climate 		I've loved every everywhere we go out to eat and”, “I said that 		you know God so had this plan where he thought I want</a:t>
+            </a:r>
+            <a:r>
+              <a:rPr lang="en-US" b="0" u="none" dirty="0"/>
+              <a:t>”</a:t>
             </a:r>
           </a:p>
           <a:p>
@@ -36382,15 +37681,7 @@
             </a:r>
             <a:r>
               <a:rPr lang="en-US" b="1" u="sng" dirty="0"/>
-              <a:t>. </a:t>
-            </a:r>
-            <a:r>
-              <a:rPr lang="en-US" b="1" u="sng" dirty="0" err="1"/>
-              <a:t>Vetorize</a:t>
-            </a:r>
-            <a:r>
-              <a:rPr lang="en-US" b="1" u="sng" dirty="0"/>
-              <a:t> Texts Using a Pre-Trained word2vec Model</a:t>
+              <a:t>. Vectorize Texts Using a Pre-Trained word2vec Model</a:t>
             </a:r>
           </a:p>
           <a:p>
@@ -37379,8 +38670,2677 @@
             </a:pPr>
             <a:r>
               <a:rPr lang="en-US" sz="3500" dirty="0"/>
-              <a:t>DEEP LEARNING MODEL</a:t>
+              <a:t>MACHINE LEARNING MODEL</a:t>
             </a:r>
+          </a:p>
+        </p:txBody>
+      </p:sp>
+      <p:sp>
+        <p:nvSpPr>
+          <p:cNvPr id="52" name="TextBox 51">
+            <a:extLst>
+              <a:ext uri="{FF2B5EF4-FFF2-40B4-BE49-F238E27FC236}">
+                <a16:creationId xmlns:a16="http://schemas.microsoft.com/office/drawing/2014/main" id="{6E3AC4EB-FEC5-E547-97F9-93600946A7A9}"/>
+              </a:ext>
+            </a:extLst>
+          </p:cNvPr>
+          <p:cNvSpPr txBox="1"/>
+          <p:nvPr/>
+        </p:nvSpPr>
+        <p:spPr>
+          <a:xfrm>
+            <a:off x="8393893" y="19514031"/>
+            <a:ext cx="1965273" cy="307777"/>
+          </a:xfrm>
+          <a:prstGeom prst="rect">
+            <a:avLst/>
+          </a:prstGeom>
+          <a:noFill/>
+        </p:spPr>
+        <p:txBody>
+          <a:bodyPr wrap="square" rtlCol="0">
+            <a:spAutoFit/>
+          </a:bodyPr>
+          <a:lstStyle/>
+          <a:p>
+            <a:r>
+              <a:rPr lang="en-US" dirty="0"/>
+              <a:t>pc: </a:t>
+            </a:r>
+            <a:r>
+              <a:rPr lang="en-US" dirty="0" err="1"/>
+              <a:t>FakeAVCeleb</a:t>
+            </a:r>
+            <a:endParaRPr lang="en-US" dirty="0"/>
+          </a:p>
+        </p:txBody>
+      </p:sp>
+      <p:sp>
+        <p:nvSpPr>
+          <p:cNvPr id="77" name="TextBox 76">
+            <a:extLst>
+              <a:ext uri="{FF2B5EF4-FFF2-40B4-BE49-F238E27FC236}">
+                <a16:creationId xmlns:a16="http://schemas.microsoft.com/office/drawing/2014/main" id="{273EFA5A-BEF3-BF4B-907F-5132D80AD223}"/>
+              </a:ext>
+            </a:extLst>
+          </p:cNvPr>
+          <p:cNvSpPr txBox="1"/>
+          <p:nvPr/>
+        </p:nvSpPr>
+        <p:spPr>
+          <a:xfrm>
+            <a:off x="8393892" y="17278073"/>
+            <a:ext cx="1965273" cy="307777"/>
+          </a:xfrm>
+          <a:prstGeom prst="rect">
+            <a:avLst/>
+          </a:prstGeom>
+          <a:noFill/>
+        </p:spPr>
+        <p:txBody>
+          <a:bodyPr wrap="square" rtlCol="0">
+            <a:spAutoFit/>
+          </a:bodyPr>
+          <a:lstStyle/>
+          <a:p>
+            <a:r>
+              <a:rPr lang="en-US" dirty="0"/>
+              <a:t>pc: </a:t>
+            </a:r>
+            <a:r>
+              <a:rPr lang="en-US" dirty="0" err="1"/>
+              <a:t>FakeAVCeleb</a:t>
+            </a:r>
+            <a:endParaRPr lang="en-US" dirty="0"/>
+          </a:p>
+        </p:txBody>
+      </p:sp>
+      <p:sp>
+        <p:nvSpPr>
+          <p:cNvPr id="53" name="TextBox 52">
+            <a:extLst>
+              <a:ext uri="{FF2B5EF4-FFF2-40B4-BE49-F238E27FC236}">
+                <a16:creationId xmlns:a16="http://schemas.microsoft.com/office/drawing/2014/main" id="{707ED3ED-93C6-BF4C-9F89-0B3D47EAD5CA}"/>
+              </a:ext>
+            </a:extLst>
+          </p:cNvPr>
+          <p:cNvSpPr txBox="1"/>
+          <p:nvPr/>
+        </p:nvSpPr>
+        <p:spPr>
+          <a:xfrm>
+            <a:off x="13111566" y="30392176"/>
+            <a:ext cx="184731" cy="307777"/>
+          </a:xfrm>
+          <a:prstGeom prst="rect">
+            <a:avLst/>
+          </a:prstGeom>
+          <a:noFill/>
+        </p:spPr>
+        <p:txBody>
+          <a:bodyPr wrap="none" rtlCol="0">
+            <a:spAutoFit/>
+          </a:bodyPr>
+          <a:lstStyle/>
+          <a:p>
+            <a:endParaRPr lang="en-US" dirty="0"/>
+          </a:p>
+        </p:txBody>
+      </p:sp>
+      <p:sp>
+        <p:nvSpPr>
+          <p:cNvPr id="79" name="Google Shape;123;p1">
+            <a:extLst>
+              <a:ext uri="{FF2B5EF4-FFF2-40B4-BE49-F238E27FC236}">
+                <a16:creationId xmlns:a16="http://schemas.microsoft.com/office/drawing/2014/main" id="{7CC74E5F-A0A6-BE4F-9965-3255E9C211C4}"/>
+              </a:ext>
+            </a:extLst>
+          </p:cNvPr>
+          <p:cNvSpPr txBox="1">
+            <a:spLocks/>
+          </p:cNvSpPr>
+          <p:nvPr/>
+        </p:nvSpPr>
+        <p:spPr>
+          <a:xfrm>
+            <a:off x="11498584" y="29734967"/>
+            <a:ext cx="10117551" cy="3154659"/>
+          </a:xfrm>
+          <a:prstGeom prst="rect">
+            <a:avLst/>
+          </a:prstGeom>
+          <a:noFill/>
+          <a:ln>
+            <a:noFill/>
+          </a:ln>
+        </p:spPr>
+        <p:txBody>
+          <a:bodyPr spcFirstLastPara="1" wrap="square" lIns="228575" tIns="228575" rIns="228575" bIns="228575" anchor="t" anchorCtr="0">
+            <a:spAutoFit/>
+          </a:bodyPr>
+          <a:lstStyle>
+            <a:defPPr marR="0" lvl="0" algn="l" rtl="0">
+              <a:lnSpc>
+                <a:spcPct val="100000"/>
+              </a:lnSpc>
+              <a:spcBef>
+                <a:spcPts val="0"/>
+              </a:spcBef>
+              <a:spcAft>
+                <a:spcPts val="0"/>
+              </a:spcAft>
+            </a:defPPr>
+            <a:lvl1pPr marL="457200" marR="0" lvl="0" indent="-228600" algn="l" rtl="0">
+              <a:lnSpc>
+                <a:spcPct val="100000"/>
+              </a:lnSpc>
+              <a:spcBef>
+                <a:spcPts val="500"/>
+              </a:spcBef>
+              <a:spcAft>
+                <a:spcPts val="0"/>
+              </a:spcAft>
+              <a:buClr>
+                <a:srgbClr val="4B376B"/>
+              </a:buClr>
+              <a:buSzPts val="2500"/>
+              <a:buFont typeface="Arial"/>
+              <a:buNone/>
+              <a:defRPr sz="2500" b="0" i="0" u="none" strike="noStrike" cap="none">
+                <a:solidFill>
+                  <a:srgbClr val="4B376B"/>
+                </a:solidFill>
+                <a:latin typeface="Times New Roman"/>
+                <a:ea typeface="Times New Roman"/>
+                <a:cs typeface="Times New Roman"/>
+                <a:sym typeface="Times New Roman"/>
+              </a:defRPr>
+            </a:lvl1pPr>
+            <a:lvl2pPr marL="914400" marR="0" lvl="1" indent="-387350" algn="l" rtl="0">
+              <a:lnSpc>
+                <a:spcPct val="100000"/>
+              </a:lnSpc>
+              <a:spcBef>
+                <a:spcPts val="500"/>
+              </a:spcBef>
+              <a:spcAft>
+                <a:spcPts val="0"/>
+              </a:spcAft>
+              <a:buClr>
+                <a:schemeClr val="dk1"/>
+              </a:buClr>
+              <a:buSzPts val="2500"/>
+              <a:buFont typeface="Arial"/>
+              <a:buChar char="–"/>
+              <a:defRPr sz="2500" b="0" i="0" u="none" strike="noStrike" cap="none">
+                <a:solidFill>
+                  <a:schemeClr val="dk1"/>
+                </a:solidFill>
+                <a:latin typeface="Trebuchet MS"/>
+                <a:ea typeface="Trebuchet MS"/>
+                <a:cs typeface="Trebuchet MS"/>
+                <a:sym typeface="Trebuchet MS"/>
+              </a:defRPr>
+            </a:lvl2pPr>
+            <a:lvl3pPr marL="1371600" marR="0" lvl="2" indent="-387350" algn="l" rtl="0">
+              <a:lnSpc>
+                <a:spcPct val="100000"/>
+              </a:lnSpc>
+              <a:spcBef>
+                <a:spcPts val="500"/>
+              </a:spcBef>
+              <a:spcAft>
+                <a:spcPts val="0"/>
+              </a:spcAft>
+              <a:buClr>
+                <a:schemeClr val="dk1"/>
+              </a:buClr>
+              <a:buSzPts val="2500"/>
+              <a:buFont typeface="Arial"/>
+              <a:buChar char="•"/>
+              <a:defRPr sz="2500" b="0" i="0" u="none" strike="noStrike" cap="none">
+                <a:solidFill>
+                  <a:schemeClr val="dk1"/>
+                </a:solidFill>
+                <a:latin typeface="Trebuchet MS"/>
+                <a:ea typeface="Trebuchet MS"/>
+                <a:cs typeface="Trebuchet MS"/>
+                <a:sym typeface="Trebuchet MS"/>
+              </a:defRPr>
+            </a:lvl3pPr>
+            <a:lvl4pPr marL="1828800" marR="0" lvl="3" indent="-387350" algn="l" rtl="0">
+              <a:lnSpc>
+                <a:spcPct val="100000"/>
+              </a:lnSpc>
+              <a:spcBef>
+                <a:spcPts val="500"/>
+              </a:spcBef>
+              <a:spcAft>
+                <a:spcPts val="0"/>
+              </a:spcAft>
+              <a:buClr>
+                <a:schemeClr val="dk1"/>
+              </a:buClr>
+              <a:buSzPts val="2500"/>
+              <a:buFont typeface="Arial"/>
+              <a:buChar char="–"/>
+              <a:defRPr sz="2500" b="0" i="0" u="none" strike="noStrike" cap="none">
+                <a:solidFill>
+                  <a:schemeClr val="dk1"/>
+                </a:solidFill>
+                <a:latin typeface="Trebuchet MS"/>
+                <a:ea typeface="Trebuchet MS"/>
+                <a:cs typeface="Trebuchet MS"/>
+                <a:sym typeface="Trebuchet MS"/>
+              </a:defRPr>
+            </a:lvl4pPr>
+            <a:lvl5pPr marL="2286000" marR="0" lvl="4" indent="-387350" algn="l" rtl="0">
+              <a:lnSpc>
+                <a:spcPct val="100000"/>
+              </a:lnSpc>
+              <a:spcBef>
+                <a:spcPts val="500"/>
+              </a:spcBef>
+              <a:spcAft>
+                <a:spcPts val="0"/>
+              </a:spcAft>
+              <a:buClr>
+                <a:schemeClr val="dk1"/>
+              </a:buClr>
+              <a:buSzPts val="2500"/>
+              <a:buFont typeface="Arial"/>
+              <a:buChar char="»"/>
+              <a:defRPr sz="2500" b="0" i="0" u="none" strike="noStrike" cap="none">
+                <a:solidFill>
+                  <a:schemeClr val="dk1"/>
+                </a:solidFill>
+                <a:latin typeface="Trebuchet MS"/>
+                <a:ea typeface="Trebuchet MS"/>
+                <a:cs typeface="Trebuchet MS"/>
+                <a:sym typeface="Trebuchet MS"/>
+              </a:defRPr>
+            </a:lvl5pPr>
+            <a:lvl6pPr marL="2743200" marR="0" lvl="5" indent="-838200" algn="l" rtl="0">
+              <a:lnSpc>
+                <a:spcPct val="100000"/>
+              </a:lnSpc>
+              <a:spcBef>
+                <a:spcPts val="1920"/>
+              </a:spcBef>
+              <a:spcAft>
+                <a:spcPts val="0"/>
+              </a:spcAft>
+              <a:buClr>
+                <a:schemeClr val="dk1"/>
+              </a:buClr>
+              <a:buSzPts val="9600"/>
+              <a:buFont typeface="Arial"/>
+              <a:buChar char="•"/>
+              <a:defRPr sz="9600" b="0" i="0" u="none" strike="noStrike" cap="none">
+                <a:solidFill>
+                  <a:schemeClr val="dk1"/>
+                </a:solidFill>
+                <a:latin typeface="Calibri"/>
+                <a:ea typeface="Calibri"/>
+                <a:cs typeface="Calibri"/>
+                <a:sym typeface="Calibri"/>
+              </a:defRPr>
+            </a:lvl6pPr>
+            <a:lvl7pPr marL="3200400" marR="0" lvl="6" indent="-838200" algn="l" rtl="0">
+              <a:lnSpc>
+                <a:spcPct val="100000"/>
+              </a:lnSpc>
+              <a:spcBef>
+                <a:spcPts val="1920"/>
+              </a:spcBef>
+              <a:spcAft>
+                <a:spcPts val="0"/>
+              </a:spcAft>
+              <a:buClr>
+                <a:schemeClr val="dk1"/>
+              </a:buClr>
+              <a:buSzPts val="9600"/>
+              <a:buFont typeface="Arial"/>
+              <a:buChar char="•"/>
+              <a:defRPr sz="9600" b="0" i="0" u="none" strike="noStrike" cap="none">
+                <a:solidFill>
+                  <a:schemeClr val="dk1"/>
+                </a:solidFill>
+                <a:latin typeface="Calibri"/>
+                <a:ea typeface="Calibri"/>
+                <a:cs typeface="Calibri"/>
+                <a:sym typeface="Calibri"/>
+              </a:defRPr>
+            </a:lvl7pPr>
+            <a:lvl8pPr marL="3657600" marR="0" lvl="7" indent="-838200" algn="l" rtl="0">
+              <a:lnSpc>
+                <a:spcPct val="100000"/>
+              </a:lnSpc>
+              <a:spcBef>
+                <a:spcPts val="1920"/>
+              </a:spcBef>
+              <a:spcAft>
+                <a:spcPts val="0"/>
+              </a:spcAft>
+              <a:buClr>
+                <a:schemeClr val="dk1"/>
+              </a:buClr>
+              <a:buSzPts val="9600"/>
+              <a:buFont typeface="Arial"/>
+              <a:buChar char="•"/>
+              <a:defRPr sz="9600" b="0" i="0" u="none" strike="noStrike" cap="none">
+                <a:solidFill>
+                  <a:schemeClr val="dk1"/>
+                </a:solidFill>
+                <a:latin typeface="Calibri"/>
+                <a:ea typeface="Calibri"/>
+                <a:cs typeface="Calibri"/>
+                <a:sym typeface="Calibri"/>
+              </a:defRPr>
+            </a:lvl8pPr>
+            <a:lvl9pPr marL="4114800" marR="0" lvl="8" indent="-838200" algn="l" rtl="0">
+              <a:lnSpc>
+                <a:spcPct val="100000"/>
+              </a:lnSpc>
+              <a:spcBef>
+                <a:spcPts val="1920"/>
+              </a:spcBef>
+              <a:spcAft>
+                <a:spcPts val="0"/>
+              </a:spcAft>
+              <a:buClr>
+                <a:schemeClr val="dk1"/>
+              </a:buClr>
+              <a:buSzPts val="9600"/>
+              <a:buFont typeface="Arial"/>
+              <a:buChar char="•"/>
+              <a:defRPr sz="9600" b="0" i="0" u="none" strike="noStrike" cap="none">
+                <a:solidFill>
+                  <a:schemeClr val="dk1"/>
+                </a:solidFill>
+                <a:latin typeface="Calibri"/>
+                <a:ea typeface="Calibri"/>
+                <a:cs typeface="Calibri"/>
+                <a:sym typeface="Calibri"/>
+              </a:defRPr>
+            </a:lvl9pPr>
+          </a:lstStyle>
+          <a:p>
+            <a:pPr marL="0" indent="0">
+              <a:spcBef>
+                <a:spcPts val="0"/>
+              </a:spcBef>
+            </a:pPr>
+            <a:r>
+              <a:rPr lang="en-US" b="1" u="sng" dirty="0"/>
+              <a:t>Random Forest</a:t>
+            </a:r>
+          </a:p>
+          <a:p>
+            <a:pPr marL="342900" indent="-342900">
+              <a:spcBef>
+                <a:spcPts val="0"/>
+              </a:spcBef>
+              <a:buFont typeface="Arial" panose="020B0604020202020204" pitchFamily="34" charset="0"/>
+              <a:buChar char="•"/>
+            </a:pPr>
+            <a:r>
+              <a:rPr lang="en-US" dirty="0"/>
+              <a:t>Train-test split: 80 % training, 20 % testing</a:t>
+            </a:r>
+          </a:p>
+          <a:p>
+            <a:pPr marL="342900" indent="-342900">
+              <a:spcBef>
+                <a:spcPts val="0"/>
+              </a:spcBef>
+              <a:buFont typeface="Arial" panose="020B0604020202020204" pitchFamily="34" charset="0"/>
+              <a:buChar char="•"/>
+            </a:pPr>
+            <a:r>
+              <a:rPr lang="en-US" dirty="0"/>
+              <a:t>Cross validation: (1) K-fold cross-validation, k = 5</a:t>
+            </a:r>
+          </a:p>
+          <a:p>
+            <a:pPr marL="0" indent="0">
+              <a:spcBef>
+                <a:spcPts val="0"/>
+              </a:spcBef>
+            </a:pPr>
+            <a:r>
+              <a:rPr lang="en-US" dirty="0"/>
+              <a:t>		</a:t>
+            </a:r>
+            <a:r>
+              <a:rPr lang="zh-TW" altLang="en-US" dirty="0"/>
+              <a:t>         </a:t>
+            </a:r>
+            <a:r>
+              <a:rPr lang="en-US" altLang="zh-TW" dirty="0"/>
+              <a:t> (2) U</a:t>
+            </a:r>
+            <a:r>
+              <a:rPr lang="en-US" dirty="0"/>
+              <a:t>tilize bootstrap</a:t>
+            </a:r>
+            <a:r>
+              <a:rPr lang="zh-TW" altLang="en-US" dirty="0"/>
+              <a:t> </a:t>
+            </a:r>
+            <a:r>
+              <a:rPr lang="en-US" dirty="0"/>
+              <a:t>samples to build trees</a:t>
+            </a:r>
+          </a:p>
+          <a:p>
+            <a:pPr marL="0" indent="0">
+              <a:spcBef>
+                <a:spcPts val="0"/>
+              </a:spcBef>
+            </a:pPr>
+            <a:r>
+              <a:rPr lang="en-US" b="1" u="sng" dirty="0"/>
+              <a:t>Why Random Forest</a:t>
+            </a:r>
+          </a:p>
+          <a:p>
+            <a:pPr indent="-457200">
+              <a:spcBef>
+                <a:spcPts val="0"/>
+              </a:spcBef>
+              <a:buFont typeface="+mj-lt"/>
+              <a:buAutoNum type="arabicPeriod"/>
+            </a:pPr>
+            <a:r>
+              <a:rPr lang="en-US" dirty="0"/>
+              <a:t>It can handle large features efficiently</a:t>
+            </a:r>
+          </a:p>
+          <a:p>
+            <a:pPr indent="-457200">
+              <a:spcBef>
+                <a:spcPts val="0"/>
+              </a:spcBef>
+              <a:buFont typeface="+mj-lt"/>
+              <a:buAutoNum type="arabicPeriod"/>
+            </a:pPr>
+            <a:r>
+              <a:rPr lang="en-US" dirty="0"/>
+              <a:t>It can reduce computation time</a:t>
+            </a:r>
+          </a:p>
+        </p:txBody>
+      </p:sp>
+      <p:sp>
+        <p:nvSpPr>
+          <p:cNvPr id="58" name="TextBox 57">
+            <a:extLst>
+              <a:ext uri="{FF2B5EF4-FFF2-40B4-BE49-F238E27FC236}">
+                <a16:creationId xmlns:a16="http://schemas.microsoft.com/office/drawing/2014/main" id="{0758FB15-D5CB-5643-8763-D741087C71D3}"/>
+              </a:ext>
+            </a:extLst>
+          </p:cNvPr>
+          <p:cNvSpPr txBox="1"/>
+          <p:nvPr/>
+        </p:nvSpPr>
+        <p:spPr>
+          <a:xfrm>
+            <a:off x="28199443" y="32395180"/>
+            <a:ext cx="16214272" cy="523220"/>
+          </a:xfrm>
+          <a:prstGeom prst="rect">
+            <a:avLst/>
+          </a:prstGeom>
+          <a:noFill/>
+        </p:spPr>
+        <p:txBody>
+          <a:bodyPr wrap="square" rtlCol="0">
+            <a:spAutoFit/>
+          </a:bodyPr>
+          <a:lstStyle/>
+          <a:p>
+            <a:pPr algn="ctr"/>
+            <a:r>
+              <a:rPr lang="en-US" dirty="0"/>
+              <a:t>[1] Khalid, H., Tariq, S., Kim, M., &amp; Woo, S. S. (2021). </a:t>
+            </a:r>
+            <a:r>
+              <a:rPr lang="en-US" dirty="0" err="1"/>
+              <a:t>FakeAVCeleb</a:t>
+            </a:r>
+            <a:r>
+              <a:rPr lang="en-US" dirty="0"/>
+              <a:t>: A Novel Audio-Video Multimodal Deepfake Dataset. </a:t>
+            </a:r>
+            <a:r>
+              <a:rPr lang="en-US" i="1" dirty="0" err="1"/>
+              <a:t>arXiv</a:t>
+            </a:r>
+            <a:r>
+              <a:rPr lang="en-US" i="1" dirty="0"/>
+              <a:t> preprint arXiv:2108.05080</a:t>
+            </a:r>
+            <a:r>
+              <a:rPr lang="en-US" dirty="0"/>
+              <a:t>.</a:t>
+            </a:r>
+          </a:p>
+          <a:p>
+            <a:pPr algn="ctr"/>
+            <a:r>
+              <a:rPr lang="en-US" dirty="0"/>
+              <a:t>[2] </a:t>
+            </a:r>
+            <a:r>
+              <a:rPr lang="en-US" dirty="0" err="1"/>
+              <a:t>Kastrati</a:t>
+            </a:r>
+            <a:r>
+              <a:rPr lang="en-US" dirty="0"/>
+              <a:t>, Z., Imran, A. S., &amp; </a:t>
+            </a:r>
+            <a:r>
+              <a:rPr lang="en-US" dirty="0" err="1"/>
+              <a:t>Kurti</a:t>
+            </a:r>
+            <a:r>
+              <a:rPr lang="en-US" dirty="0"/>
+              <a:t>, A. (2019). Integrating word embeddings and document topics with deep learning in a video classification framework. </a:t>
+            </a:r>
+            <a:r>
+              <a:rPr lang="en-US" i="1" dirty="0"/>
+              <a:t>Pattern Recognition Letters, 128, </a:t>
+            </a:r>
+            <a:r>
+              <a:rPr lang="en-US" dirty="0"/>
+              <a:t>85-92.</a:t>
+            </a:r>
+          </a:p>
+        </p:txBody>
+      </p:sp>
+      <p:graphicFrame>
+        <p:nvGraphicFramePr>
+          <p:cNvPr id="63" name="Table 63">
+            <a:extLst>
+              <a:ext uri="{FF2B5EF4-FFF2-40B4-BE49-F238E27FC236}">
+                <a16:creationId xmlns:a16="http://schemas.microsoft.com/office/drawing/2014/main" id="{D3DF0929-956C-ED43-BDF2-9F3CBABB154C}"/>
+              </a:ext>
+            </a:extLst>
+          </p:cNvPr>
+          <p:cNvGraphicFramePr>
+            <a:graphicFrameLocks noGrp="1"/>
+          </p:cNvGraphicFramePr>
+          <p:nvPr>
+            <p:extLst>
+              <p:ext uri="{D42A27DB-BD31-4B8C-83A1-F6EECF244321}">
+                <p14:modId xmlns:p14="http://schemas.microsoft.com/office/powerpoint/2010/main" val="3123964707"/>
+              </p:ext>
+            </p:extLst>
+          </p:nvPr>
+        </p:nvGraphicFramePr>
+        <p:xfrm>
+          <a:off x="22114933" y="17727797"/>
+          <a:ext cx="10355145" cy="3474720"/>
+        </p:xfrm>
+        <a:graphic>
+          <a:graphicData uri="http://schemas.openxmlformats.org/drawingml/2006/table">
+            <a:tbl>
+              <a:tblPr firstRow="1" bandRow="1">
+                <a:tableStyleId>{BEE778FD-A961-408E-85A3-17AF4F6781A1}</a:tableStyleId>
+              </a:tblPr>
+              <a:tblGrid>
+                <a:gridCol w="2581526">
+                  <a:extLst>
+                    <a:ext uri="{9D8B030D-6E8A-4147-A177-3AD203B41FA5}">
+                      <a16:colId xmlns:a16="http://schemas.microsoft.com/office/drawing/2014/main" val="1279194181"/>
+                    </a:ext>
+                  </a:extLst>
+                </a:gridCol>
+                <a:gridCol w="1881714">
+                  <a:extLst>
+                    <a:ext uri="{9D8B030D-6E8A-4147-A177-3AD203B41FA5}">
+                      <a16:colId xmlns:a16="http://schemas.microsoft.com/office/drawing/2014/main" val="1205917689"/>
+                    </a:ext>
+                  </a:extLst>
+                </a:gridCol>
+                <a:gridCol w="1928368">
+                  <a:extLst>
+                    <a:ext uri="{9D8B030D-6E8A-4147-A177-3AD203B41FA5}">
+                      <a16:colId xmlns:a16="http://schemas.microsoft.com/office/drawing/2014/main" val="251187181"/>
+                    </a:ext>
+                  </a:extLst>
+                </a:gridCol>
+                <a:gridCol w="1881715">
+                  <a:extLst>
+                    <a:ext uri="{9D8B030D-6E8A-4147-A177-3AD203B41FA5}">
+                      <a16:colId xmlns:a16="http://schemas.microsoft.com/office/drawing/2014/main" val="668713819"/>
+                    </a:ext>
+                  </a:extLst>
+                </a:gridCol>
+                <a:gridCol w="2081822">
+                  <a:extLst>
+                    <a:ext uri="{9D8B030D-6E8A-4147-A177-3AD203B41FA5}">
+                      <a16:colId xmlns:a16="http://schemas.microsoft.com/office/drawing/2014/main" val="244795252"/>
+                    </a:ext>
+                  </a:extLst>
+                </a:gridCol>
+              </a:tblGrid>
+              <a:tr h="370840">
+                <a:tc>
+                  <a:txBody>
+                    <a:bodyPr/>
+                    <a:lstStyle/>
+                    <a:p>
+                      <a:endParaRPr lang="en-US" sz="3200" b="1" i="0" u="none" strike="noStrike" cap="none" dirty="0">
+                        <a:solidFill>
+                          <a:schemeClr val="tx1"/>
+                        </a:solidFill>
+                        <a:latin typeface="Calibri"/>
+                        <a:cs typeface="Calibri"/>
+                        <a:sym typeface="Arial"/>
+                      </a:endParaRPr>
+                    </a:p>
+                  </a:txBody>
+                  <a:tcPr/>
+                </a:tc>
+                <a:tc>
+                  <a:txBody>
+                    <a:bodyPr/>
+                    <a:lstStyle/>
+                    <a:p>
+                      <a:r>
+                        <a:rPr lang="en-US" sz="3200" b="0" u="none" strike="noStrike" cap="none" dirty="0">
+                          <a:solidFill>
+                            <a:schemeClr val="bg2"/>
+                          </a:solidFill>
+                          <a:sym typeface="Arial"/>
+                        </a:rPr>
+                        <a:t>precision</a:t>
+                      </a:r>
+                      <a:endParaRPr lang="en-US" sz="3200" b="0" i="0" u="none" strike="noStrike" cap="none" dirty="0">
+                        <a:solidFill>
+                          <a:schemeClr val="bg2"/>
+                        </a:solidFill>
+                        <a:latin typeface="Calibri"/>
+                        <a:cs typeface="Calibri"/>
+                        <a:sym typeface="Arial"/>
+                      </a:endParaRPr>
+                    </a:p>
+                  </a:txBody>
+                  <a:tcPr/>
+                </a:tc>
+                <a:tc>
+                  <a:txBody>
+                    <a:bodyPr/>
+                    <a:lstStyle/>
+                    <a:p>
+                      <a:r>
+                        <a:rPr lang="en-US" sz="3200" b="0" u="none" strike="noStrike" cap="none" dirty="0">
+                          <a:solidFill>
+                            <a:schemeClr val="bg2"/>
+                          </a:solidFill>
+                          <a:sym typeface="Arial"/>
+                        </a:rPr>
+                        <a:t>recall</a:t>
+                      </a:r>
+                      <a:endParaRPr lang="en-US" sz="3200" b="0" i="0" u="none" strike="noStrike" cap="none" dirty="0">
+                        <a:solidFill>
+                          <a:schemeClr val="bg2"/>
+                        </a:solidFill>
+                        <a:latin typeface="Calibri"/>
+                        <a:cs typeface="Calibri"/>
+                        <a:sym typeface="Arial"/>
+                      </a:endParaRPr>
+                    </a:p>
+                  </a:txBody>
+                  <a:tcPr/>
+                </a:tc>
+                <a:tc>
+                  <a:txBody>
+                    <a:bodyPr/>
+                    <a:lstStyle/>
+                    <a:p>
+                      <a:r>
+                        <a:rPr lang="en-US" sz="3200" b="0" u="none" strike="noStrike" cap="none" dirty="0">
+                          <a:solidFill>
+                            <a:schemeClr val="bg2"/>
+                          </a:solidFill>
+                          <a:sym typeface="Arial"/>
+                        </a:rPr>
+                        <a:t>F1-score</a:t>
+                      </a:r>
+                      <a:endParaRPr lang="en-US" sz="3200" b="0" i="0" u="none" strike="noStrike" cap="none" dirty="0">
+                        <a:solidFill>
+                          <a:schemeClr val="bg2"/>
+                        </a:solidFill>
+                        <a:latin typeface="Calibri"/>
+                        <a:cs typeface="Calibri"/>
+                        <a:sym typeface="Arial"/>
+                      </a:endParaRPr>
+                    </a:p>
+                  </a:txBody>
+                  <a:tcPr/>
+                </a:tc>
+                <a:tc>
+                  <a:txBody>
+                    <a:bodyPr/>
+                    <a:lstStyle/>
+                    <a:p>
+                      <a:r>
+                        <a:rPr lang="en-US" sz="3200" b="0" u="none" strike="noStrike" cap="none" dirty="0">
+                          <a:solidFill>
+                            <a:schemeClr val="bg2"/>
+                          </a:solidFill>
+                          <a:sym typeface="Arial"/>
+                        </a:rPr>
+                        <a:t>support</a:t>
+                      </a:r>
+                      <a:endParaRPr lang="en-US" sz="3200" b="0" i="0" u="none" strike="noStrike" cap="none" dirty="0">
+                        <a:solidFill>
+                          <a:schemeClr val="bg2"/>
+                        </a:solidFill>
+                        <a:latin typeface="Calibri"/>
+                        <a:cs typeface="Calibri"/>
+                        <a:sym typeface="Arial"/>
+                      </a:endParaRPr>
+                    </a:p>
+                  </a:txBody>
+                  <a:tcPr/>
+                </a:tc>
+                <a:extLst>
+                  <a:ext uri="{0D108BD9-81ED-4DB2-BD59-A6C34878D82A}">
+                    <a16:rowId xmlns:a16="http://schemas.microsoft.com/office/drawing/2014/main" val="726777022"/>
+                  </a:ext>
+                </a:extLst>
+              </a:tr>
+              <a:tr h="370840">
+                <a:tc>
+                  <a:txBody>
+                    <a:bodyPr/>
+                    <a:lstStyle/>
+                    <a:p>
+                      <a:r>
+                        <a:rPr lang="en-US" sz="3200" b="0" u="none" strike="noStrike" cap="none" dirty="0">
+                          <a:solidFill>
+                            <a:schemeClr val="tx1"/>
+                          </a:solidFill>
+                          <a:sym typeface="Arial"/>
+                        </a:rPr>
+                        <a:t>fake</a:t>
+                      </a:r>
+                      <a:endParaRPr lang="en-US" sz="3200" b="0" i="0" u="none" strike="noStrike" cap="none" dirty="0">
+                        <a:solidFill>
+                          <a:schemeClr val="tx1"/>
+                        </a:solidFill>
+                        <a:latin typeface="Calibri"/>
+                        <a:cs typeface="Calibri"/>
+                        <a:sym typeface="Arial"/>
+                      </a:endParaRPr>
+                    </a:p>
+                  </a:txBody>
+                  <a:tcPr/>
+                </a:tc>
+                <a:tc>
+                  <a:txBody>
+                    <a:bodyPr/>
+                    <a:lstStyle/>
+                    <a:p>
+                      <a:r>
+                        <a:rPr lang="en-US" sz="3200" b="1" u="none" strike="noStrike" cap="none" dirty="0">
+                          <a:solidFill>
+                            <a:schemeClr val="tx1"/>
+                          </a:solidFill>
+                          <a:sym typeface="Arial"/>
+                        </a:rPr>
+                        <a:t>0.98</a:t>
+                      </a:r>
+                      <a:endParaRPr lang="en-US" sz="3200" b="1" i="0" u="none" strike="noStrike" cap="none" dirty="0">
+                        <a:solidFill>
+                          <a:schemeClr val="tx1"/>
+                        </a:solidFill>
+                        <a:latin typeface="Calibri"/>
+                        <a:cs typeface="Calibri"/>
+                        <a:sym typeface="Arial"/>
+                      </a:endParaRPr>
+                    </a:p>
+                  </a:txBody>
+                  <a:tcPr/>
+                </a:tc>
+                <a:tc>
+                  <a:txBody>
+                    <a:bodyPr/>
+                    <a:lstStyle/>
+                    <a:p>
+                      <a:r>
+                        <a:rPr lang="en-US" sz="3200" b="1" u="none" strike="noStrike" cap="none">
+                          <a:solidFill>
+                            <a:schemeClr val="tx1"/>
+                          </a:solidFill>
+                          <a:sym typeface="Arial"/>
+                        </a:rPr>
+                        <a:t>0.96</a:t>
+                      </a:r>
+                      <a:endParaRPr lang="en-US" sz="3200" b="1" i="0" u="none" strike="noStrike" cap="none" dirty="0">
+                        <a:solidFill>
+                          <a:schemeClr val="tx1"/>
+                        </a:solidFill>
+                        <a:latin typeface="Calibri"/>
+                        <a:cs typeface="Calibri"/>
+                        <a:sym typeface="Arial"/>
+                      </a:endParaRPr>
+                    </a:p>
+                  </a:txBody>
+                  <a:tcPr/>
+                </a:tc>
+                <a:tc>
+                  <a:txBody>
+                    <a:bodyPr/>
+                    <a:lstStyle/>
+                    <a:p>
+                      <a:r>
+                        <a:rPr lang="en-US" sz="3200" b="1" u="none" strike="noStrike" cap="none" dirty="0">
+                          <a:solidFill>
+                            <a:schemeClr val="tx1"/>
+                          </a:solidFill>
+                          <a:sym typeface="Arial"/>
+                        </a:rPr>
+                        <a:t>0.97</a:t>
+                      </a:r>
+                      <a:endParaRPr lang="en-US" sz="3200" b="1" i="0" u="none" strike="noStrike" cap="none" dirty="0">
+                        <a:solidFill>
+                          <a:schemeClr val="tx1"/>
+                        </a:solidFill>
+                        <a:latin typeface="Calibri"/>
+                        <a:cs typeface="Calibri"/>
+                        <a:sym typeface="Arial"/>
+                      </a:endParaRPr>
+                    </a:p>
+                  </a:txBody>
+                  <a:tcPr/>
+                </a:tc>
+                <a:tc>
+                  <a:txBody>
+                    <a:bodyPr/>
+                    <a:lstStyle/>
+                    <a:p>
+                      <a:r>
+                        <a:rPr lang="en-US" sz="3200" b="1" u="none" strike="noStrike" cap="none" dirty="0">
+                          <a:solidFill>
+                            <a:schemeClr val="tx1"/>
+                          </a:solidFill>
+                          <a:sym typeface="Arial"/>
+                        </a:rPr>
+                        <a:t>1918</a:t>
+                      </a:r>
+                      <a:endParaRPr lang="en-US" sz="3200" b="1" i="0" u="none" strike="noStrike" cap="none" dirty="0">
+                        <a:solidFill>
+                          <a:schemeClr val="tx1"/>
+                        </a:solidFill>
+                        <a:latin typeface="Calibri"/>
+                        <a:cs typeface="Calibri"/>
+                        <a:sym typeface="Arial"/>
+                      </a:endParaRPr>
+                    </a:p>
+                  </a:txBody>
+                  <a:tcPr/>
+                </a:tc>
+                <a:extLst>
+                  <a:ext uri="{0D108BD9-81ED-4DB2-BD59-A6C34878D82A}">
+                    <a16:rowId xmlns:a16="http://schemas.microsoft.com/office/drawing/2014/main" val="3928498877"/>
+                  </a:ext>
+                </a:extLst>
+              </a:tr>
+              <a:tr h="370840">
+                <a:tc>
+                  <a:txBody>
+                    <a:bodyPr/>
+                    <a:lstStyle/>
+                    <a:p>
+                      <a:r>
+                        <a:rPr lang="en-US" sz="3200" b="0" u="none" strike="noStrike" cap="none">
+                          <a:solidFill>
+                            <a:schemeClr val="tx1"/>
+                          </a:solidFill>
+                          <a:sym typeface="Arial"/>
+                        </a:rPr>
+                        <a:t>real</a:t>
+                      </a:r>
+                      <a:endParaRPr lang="en-US" sz="3200" b="0" i="0" u="none" strike="noStrike" cap="none" dirty="0">
+                        <a:solidFill>
+                          <a:schemeClr val="tx1"/>
+                        </a:solidFill>
+                        <a:latin typeface="Calibri"/>
+                        <a:cs typeface="Calibri"/>
+                        <a:sym typeface="Arial"/>
+                      </a:endParaRPr>
+                    </a:p>
+                  </a:txBody>
+                  <a:tcPr/>
+                </a:tc>
+                <a:tc>
+                  <a:txBody>
+                    <a:bodyPr/>
+                    <a:lstStyle/>
+                    <a:p>
+                      <a:r>
+                        <a:rPr lang="en-US" sz="3200" b="1" u="none" strike="noStrike" cap="none" dirty="0">
+                          <a:solidFill>
+                            <a:schemeClr val="tx1"/>
+                          </a:solidFill>
+                          <a:sym typeface="Arial"/>
+                        </a:rPr>
+                        <a:t>0.97</a:t>
+                      </a:r>
+                      <a:endParaRPr lang="en-US" sz="3200" b="1" i="0" u="none" strike="noStrike" cap="none" dirty="0">
+                        <a:solidFill>
+                          <a:schemeClr val="tx1"/>
+                        </a:solidFill>
+                        <a:latin typeface="Calibri"/>
+                        <a:cs typeface="Calibri"/>
+                        <a:sym typeface="Arial"/>
+                      </a:endParaRPr>
+                    </a:p>
+                  </a:txBody>
+                  <a:tcPr/>
+                </a:tc>
+                <a:tc>
+                  <a:txBody>
+                    <a:bodyPr/>
+                    <a:lstStyle/>
+                    <a:p>
+                      <a:r>
+                        <a:rPr lang="en-US" sz="3200" b="1" u="none" strike="noStrike" cap="none" dirty="0">
+                          <a:solidFill>
+                            <a:schemeClr val="tx1"/>
+                          </a:solidFill>
+                          <a:sym typeface="Arial"/>
+                        </a:rPr>
+                        <a:t>0.98</a:t>
+                      </a:r>
+                      <a:endParaRPr lang="en-US" sz="3200" b="1" i="0" u="none" strike="noStrike" cap="none" dirty="0">
+                        <a:solidFill>
+                          <a:schemeClr val="tx1"/>
+                        </a:solidFill>
+                        <a:latin typeface="Calibri"/>
+                        <a:cs typeface="Calibri"/>
+                        <a:sym typeface="Arial"/>
+                      </a:endParaRPr>
+                    </a:p>
+                  </a:txBody>
+                  <a:tcPr/>
+                </a:tc>
+                <a:tc>
+                  <a:txBody>
+                    <a:bodyPr/>
+                    <a:lstStyle/>
+                    <a:p>
+                      <a:r>
+                        <a:rPr lang="en-US" sz="3200" b="1" u="none" strike="noStrike" cap="none">
+                          <a:solidFill>
+                            <a:schemeClr val="tx1"/>
+                          </a:solidFill>
+                          <a:sym typeface="Arial"/>
+                        </a:rPr>
+                        <a:t>0.97</a:t>
+                      </a:r>
+                      <a:endParaRPr lang="en-US" sz="3200" b="1" i="0" u="none" strike="noStrike" cap="none" dirty="0">
+                        <a:solidFill>
+                          <a:schemeClr val="tx1"/>
+                        </a:solidFill>
+                        <a:latin typeface="Calibri"/>
+                        <a:cs typeface="Calibri"/>
+                        <a:sym typeface="Arial"/>
+                      </a:endParaRPr>
+                    </a:p>
+                  </a:txBody>
+                  <a:tcPr/>
+                </a:tc>
+                <a:tc>
+                  <a:txBody>
+                    <a:bodyPr/>
+                    <a:lstStyle/>
+                    <a:p>
+                      <a:r>
+                        <a:rPr lang="en-US" sz="3200" b="1" u="none" strike="noStrike" cap="none">
+                          <a:solidFill>
+                            <a:schemeClr val="tx1"/>
+                          </a:solidFill>
+                          <a:sym typeface="Arial"/>
+                        </a:rPr>
+                        <a:t>1976</a:t>
+                      </a:r>
+                      <a:endParaRPr lang="en-US" sz="3200" b="1" i="0" u="none" strike="noStrike" cap="none" dirty="0">
+                        <a:solidFill>
+                          <a:schemeClr val="tx1"/>
+                        </a:solidFill>
+                        <a:latin typeface="Calibri"/>
+                        <a:cs typeface="Calibri"/>
+                        <a:sym typeface="Arial"/>
+                      </a:endParaRPr>
+                    </a:p>
+                  </a:txBody>
+                  <a:tcPr/>
+                </a:tc>
+                <a:extLst>
+                  <a:ext uri="{0D108BD9-81ED-4DB2-BD59-A6C34878D82A}">
+                    <a16:rowId xmlns:a16="http://schemas.microsoft.com/office/drawing/2014/main" val="3565177930"/>
+                  </a:ext>
+                </a:extLst>
+              </a:tr>
+              <a:tr h="370840">
+                <a:tc>
+                  <a:txBody>
+                    <a:bodyPr/>
+                    <a:lstStyle/>
+                    <a:p>
+                      <a:r>
+                        <a:rPr lang="en-US" sz="3200" b="0" u="none" strike="noStrike" cap="none">
+                          <a:solidFill>
+                            <a:schemeClr val="tx1"/>
+                          </a:solidFill>
+                          <a:sym typeface="Arial"/>
+                        </a:rPr>
+                        <a:t>accuracy</a:t>
+                      </a:r>
+                      <a:endParaRPr lang="en-US" sz="3200" b="0" i="0" u="none" strike="noStrike" cap="none" dirty="0">
+                        <a:solidFill>
+                          <a:schemeClr val="tx1"/>
+                        </a:solidFill>
+                        <a:latin typeface="Calibri"/>
+                        <a:cs typeface="Calibri"/>
+                        <a:sym typeface="Arial"/>
+                      </a:endParaRPr>
+                    </a:p>
+                  </a:txBody>
+                  <a:tcPr/>
+                </a:tc>
+                <a:tc>
+                  <a:txBody>
+                    <a:bodyPr/>
+                    <a:lstStyle/>
+                    <a:p>
+                      <a:endParaRPr lang="en-US" sz="3200" b="1" i="0" u="none" strike="noStrike" cap="none" dirty="0">
+                        <a:solidFill>
+                          <a:schemeClr val="tx1"/>
+                        </a:solidFill>
+                        <a:latin typeface="Calibri"/>
+                        <a:cs typeface="Calibri"/>
+                        <a:sym typeface="Arial"/>
+                      </a:endParaRPr>
+                    </a:p>
+                  </a:txBody>
+                  <a:tcPr/>
+                </a:tc>
+                <a:tc>
+                  <a:txBody>
+                    <a:bodyPr/>
+                    <a:lstStyle/>
+                    <a:p>
+                      <a:endParaRPr lang="en-US" sz="3200" b="1" i="0" u="none" strike="noStrike" cap="none" dirty="0">
+                        <a:solidFill>
+                          <a:schemeClr val="tx1"/>
+                        </a:solidFill>
+                        <a:latin typeface="Calibri"/>
+                        <a:cs typeface="Calibri"/>
+                        <a:sym typeface="Arial"/>
+                      </a:endParaRPr>
+                    </a:p>
+                  </a:txBody>
+                  <a:tcPr/>
+                </a:tc>
+                <a:tc>
+                  <a:txBody>
+                    <a:bodyPr/>
+                    <a:lstStyle/>
+                    <a:p>
+                      <a:r>
+                        <a:rPr lang="en-US" sz="3200" b="1" u="none" strike="noStrike" cap="none" dirty="0">
+                          <a:solidFill>
+                            <a:schemeClr val="tx1"/>
+                          </a:solidFill>
+                          <a:sym typeface="Arial"/>
+                        </a:rPr>
+                        <a:t>0.97</a:t>
+                      </a:r>
+                      <a:endParaRPr lang="en-US" sz="3200" b="1" i="0" u="none" strike="noStrike" cap="none" dirty="0">
+                        <a:solidFill>
+                          <a:schemeClr val="tx1"/>
+                        </a:solidFill>
+                        <a:latin typeface="Calibri"/>
+                        <a:cs typeface="Calibri"/>
+                        <a:sym typeface="Arial"/>
+                      </a:endParaRPr>
+                    </a:p>
+                  </a:txBody>
+                  <a:tcPr/>
+                </a:tc>
+                <a:tc>
+                  <a:txBody>
+                    <a:bodyPr/>
+                    <a:lstStyle/>
+                    <a:p>
+                      <a:r>
+                        <a:rPr lang="en-US" sz="3200" b="1" u="none" strike="noStrike" cap="none">
+                          <a:solidFill>
+                            <a:schemeClr val="tx1"/>
+                          </a:solidFill>
+                          <a:sym typeface="Arial"/>
+                        </a:rPr>
+                        <a:t>3894</a:t>
+                      </a:r>
+                      <a:endParaRPr lang="en-US" sz="3200" b="1" i="0" u="none" strike="noStrike" cap="none" dirty="0">
+                        <a:solidFill>
+                          <a:schemeClr val="tx1"/>
+                        </a:solidFill>
+                        <a:latin typeface="Calibri"/>
+                        <a:cs typeface="Calibri"/>
+                        <a:sym typeface="Arial"/>
+                      </a:endParaRPr>
+                    </a:p>
+                  </a:txBody>
+                  <a:tcPr/>
+                </a:tc>
+                <a:extLst>
+                  <a:ext uri="{0D108BD9-81ED-4DB2-BD59-A6C34878D82A}">
+                    <a16:rowId xmlns:a16="http://schemas.microsoft.com/office/drawing/2014/main" val="1174178643"/>
+                  </a:ext>
+                </a:extLst>
+              </a:tr>
+              <a:tr h="370840">
+                <a:tc>
+                  <a:txBody>
+                    <a:bodyPr/>
+                    <a:lstStyle/>
+                    <a:p>
+                      <a:r>
+                        <a:rPr lang="en-US" sz="3200" b="0" u="none" strike="noStrike" cap="none">
+                          <a:solidFill>
+                            <a:schemeClr val="tx1"/>
+                          </a:solidFill>
+                          <a:sym typeface="Arial"/>
+                        </a:rPr>
+                        <a:t>macro avg</a:t>
+                      </a:r>
+                      <a:endParaRPr lang="en-US" sz="3200" b="0" i="0" u="none" strike="noStrike" cap="none" dirty="0">
+                        <a:solidFill>
+                          <a:schemeClr val="tx1"/>
+                        </a:solidFill>
+                        <a:latin typeface="Calibri"/>
+                        <a:cs typeface="Calibri"/>
+                        <a:sym typeface="Arial"/>
+                      </a:endParaRPr>
+                    </a:p>
+                  </a:txBody>
+                  <a:tcPr/>
+                </a:tc>
+                <a:tc>
+                  <a:txBody>
+                    <a:bodyPr/>
+                    <a:lstStyle/>
+                    <a:p>
+                      <a:r>
+                        <a:rPr lang="en-US" sz="3200" b="1" u="none" strike="noStrike" cap="none">
+                          <a:solidFill>
+                            <a:schemeClr val="tx1"/>
+                          </a:solidFill>
+                          <a:sym typeface="Arial"/>
+                        </a:rPr>
+                        <a:t>0.97</a:t>
+                      </a:r>
+                      <a:endParaRPr lang="en-US" sz="3200" b="1" i="0" u="none" strike="noStrike" cap="none" dirty="0">
+                        <a:solidFill>
+                          <a:schemeClr val="tx1"/>
+                        </a:solidFill>
+                        <a:latin typeface="Calibri"/>
+                        <a:cs typeface="Calibri"/>
+                        <a:sym typeface="Arial"/>
+                      </a:endParaRPr>
+                    </a:p>
+                  </a:txBody>
+                  <a:tcPr/>
+                </a:tc>
+                <a:tc>
+                  <a:txBody>
+                    <a:bodyPr/>
+                    <a:lstStyle/>
+                    <a:p>
+                      <a:r>
+                        <a:rPr lang="en-US" sz="3200" b="1" u="none" strike="noStrike" cap="none">
+                          <a:solidFill>
+                            <a:schemeClr val="tx1"/>
+                          </a:solidFill>
+                          <a:sym typeface="Arial"/>
+                        </a:rPr>
+                        <a:t>0.97</a:t>
+                      </a:r>
+                      <a:endParaRPr lang="en-US" sz="3200" b="1" i="0" u="none" strike="noStrike" cap="none" dirty="0">
+                        <a:solidFill>
+                          <a:schemeClr val="tx1"/>
+                        </a:solidFill>
+                        <a:latin typeface="Calibri"/>
+                        <a:cs typeface="Calibri"/>
+                        <a:sym typeface="Arial"/>
+                      </a:endParaRPr>
+                    </a:p>
+                  </a:txBody>
+                  <a:tcPr/>
+                </a:tc>
+                <a:tc>
+                  <a:txBody>
+                    <a:bodyPr/>
+                    <a:lstStyle/>
+                    <a:p>
+                      <a:r>
+                        <a:rPr lang="en-US" sz="3200" b="1" u="none" strike="noStrike" cap="none" dirty="0">
+                          <a:solidFill>
+                            <a:schemeClr val="tx1"/>
+                          </a:solidFill>
+                          <a:sym typeface="Arial"/>
+                        </a:rPr>
+                        <a:t>0.97</a:t>
+                      </a:r>
+                      <a:endParaRPr lang="en-US" sz="3200" b="1" i="0" u="none" strike="noStrike" cap="none" dirty="0">
+                        <a:solidFill>
+                          <a:schemeClr val="tx1"/>
+                        </a:solidFill>
+                        <a:latin typeface="Calibri"/>
+                        <a:cs typeface="Calibri"/>
+                        <a:sym typeface="Arial"/>
+                      </a:endParaRPr>
+                    </a:p>
+                  </a:txBody>
+                  <a:tcPr/>
+                </a:tc>
+                <a:tc>
+                  <a:txBody>
+                    <a:bodyPr/>
+                    <a:lstStyle/>
+                    <a:p>
+                      <a:r>
+                        <a:rPr lang="en-US" sz="3200" b="1" u="none" strike="noStrike" cap="none">
+                          <a:solidFill>
+                            <a:schemeClr val="tx1"/>
+                          </a:solidFill>
+                          <a:sym typeface="Arial"/>
+                        </a:rPr>
+                        <a:t>3894</a:t>
+                      </a:r>
+                      <a:endParaRPr lang="en-US" sz="3200" b="1" i="0" u="none" strike="noStrike" cap="none" dirty="0">
+                        <a:solidFill>
+                          <a:schemeClr val="tx1"/>
+                        </a:solidFill>
+                        <a:latin typeface="Calibri"/>
+                        <a:cs typeface="Calibri"/>
+                        <a:sym typeface="Arial"/>
+                      </a:endParaRPr>
+                    </a:p>
+                  </a:txBody>
+                  <a:tcPr/>
+                </a:tc>
+                <a:extLst>
+                  <a:ext uri="{0D108BD9-81ED-4DB2-BD59-A6C34878D82A}">
+                    <a16:rowId xmlns:a16="http://schemas.microsoft.com/office/drawing/2014/main" val="2866962639"/>
+                  </a:ext>
+                </a:extLst>
+              </a:tr>
+              <a:tr h="370840">
+                <a:tc>
+                  <a:txBody>
+                    <a:bodyPr/>
+                    <a:lstStyle/>
+                    <a:p>
+                      <a:r>
+                        <a:rPr lang="en-US" sz="3200" b="0" u="none" strike="noStrike" cap="none" dirty="0">
+                          <a:solidFill>
+                            <a:schemeClr val="tx1"/>
+                          </a:solidFill>
+                          <a:sym typeface="Arial"/>
+                        </a:rPr>
+                        <a:t>weighted avg</a:t>
+                      </a:r>
+                      <a:endParaRPr lang="en-US" sz="3200" b="0" i="0" u="none" strike="noStrike" cap="none" dirty="0">
+                        <a:solidFill>
+                          <a:schemeClr val="tx1"/>
+                        </a:solidFill>
+                        <a:latin typeface="Calibri"/>
+                        <a:cs typeface="Calibri"/>
+                        <a:sym typeface="Arial"/>
+                      </a:endParaRPr>
+                    </a:p>
+                  </a:txBody>
+                  <a:tcPr/>
+                </a:tc>
+                <a:tc>
+                  <a:txBody>
+                    <a:bodyPr/>
+                    <a:lstStyle/>
+                    <a:p>
+                      <a:r>
+                        <a:rPr lang="en-US" sz="3200" b="1" u="none" strike="noStrike" cap="none">
+                          <a:solidFill>
+                            <a:schemeClr val="tx1"/>
+                          </a:solidFill>
+                          <a:sym typeface="Arial"/>
+                        </a:rPr>
+                        <a:t>0.97</a:t>
+                      </a:r>
+                      <a:endParaRPr lang="en-US" sz="3200" b="1" i="0" u="none" strike="noStrike" cap="none" dirty="0">
+                        <a:solidFill>
+                          <a:schemeClr val="tx1"/>
+                        </a:solidFill>
+                        <a:latin typeface="Calibri"/>
+                        <a:cs typeface="Calibri"/>
+                        <a:sym typeface="Arial"/>
+                      </a:endParaRPr>
+                    </a:p>
+                  </a:txBody>
+                  <a:tcPr/>
+                </a:tc>
+                <a:tc>
+                  <a:txBody>
+                    <a:bodyPr/>
+                    <a:lstStyle/>
+                    <a:p>
+                      <a:r>
+                        <a:rPr lang="en-US" sz="3200" b="1" u="none" strike="noStrike" cap="none">
+                          <a:solidFill>
+                            <a:schemeClr val="tx1"/>
+                          </a:solidFill>
+                          <a:sym typeface="Arial"/>
+                        </a:rPr>
+                        <a:t>0.97</a:t>
+                      </a:r>
+                      <a:endParaRPr lang="en-US" sz="3200" b="1" i="0" u="none" strike="noStrike" cap="none" dirty="0">
+                        <a:solidFill>
+                          <a:schemeClr val="tx1"/>
+                        </a:solidFill>
+                        <a:latin typeface="Calibri"/>
+                        <a:cs typeface="Calibri"/>
+                        <a:sym typeface="Arial"/>
+                      </a:endParaRPr>
+                    </a:p>
+                  </a:txBody>
+                  <a:tcPr/>
+                </a:tc>
+                <a:tc>
+                  <a:txBody>
+                    <a:bodyPr/>
+                    <a:lstStyle/>
+                    <a:p>
+                      <a:r>
+                        <a:rPr lang="en-US" sz="3200" b="1" u="none" strike="noStrike" cap="none" dirty="0">
+                          <a:solidFill>
+                            <a:schemeClr val="tx1"/>
+                          </a:solidFill>
+                          <a:sym typeface="Arial"/>
+                        </a:rPr>
+                        <a:t>0.97</a:t>
+                      </a:r>
+                      <a:endParaRPr lang="en-US" sz="3200" b="1" i="0" u="none" strike="noStrike" cap="none" dirty="0">
+                        <a:solidFill>
+                          <a:schemeClr val="tx1"/>
+                        </a:solidFill>
+                        <a:latin typeface="Calibri"/>
+                        <a:cs typeface="Calibri"/>
+                        <a:sym typeface="Arial"/>
+                      </a:endParaRPr>
+                    </a:p>
+                  </a:txBody>
+                  <a:tcPr/>
+                </a:tc>
+                <a:tc>
+                  <a:txBody>
+                    <a:bodyPr/>
+                    <a:lstStyle/>
+                    <a:p>
+                      <a:r>
+                        <a:rPr lang="en-US" sz="3200" b="1" u="none" strike="noStrike" cap="none" dirty="0">
+                          <a:solidFill>
+                            <a:schemeClr val="tx1"/>
+                          </a:solidFill>
+                          <a:sym typeface="Arial"/>
+                        </a:rPr>
+                        <a:t>3894</a:t>
+                      </a:r>
+                      <a:endParaRPr lang="en-US" sz="3200" b="1" i="0" u="none" strike="noStrike" cap="none" dirty="0">
+                        <a:solidFill>
+                          <a:schemeClr val="tx1"/>
+                        </a:solidFill>
+                        <a:latin typeface="Calibri"/>
+                        <a:cs typeface="Calibri"/>
+                        <a:sym typeface="Arial"/>
+                      </a:endParaRPr>
+                    </a:p>
+                  </a:txBody>
+                  <a:tcPr/>
+                </a:tc>
+                <a:extLst>
+                  <a:ext uri="{0D108BD9-81ED-4DB2-BD59-A6C34878D82A}">
+                    <a16:rowId xmlns:a16="http://schemas.microsoft.com/office/drawing/2014/main" val="1460315747"/>
+                  </a:ext>
+                </a:extLst>
+              </a:tr>
+            </a:tbl>
+          </a:graphicData>
+        </a:graphic>
+      </p:graphicFrame>
+      <p:pic>
+        <p:nvPicPr>
+          <p:cNvPr id="65" name="Picture 64" descr="Chart, treemap chart&#10;&#10;Description automatically generated">
+            <a:extLst>
+              <a:ext uri="{FF2B5EF4-FFF2-40B4-BE49-F238E27FC236}">
+                <a16:creationId xmlns:a16="http://schemas.microsoft.com/office/drawing/2014/main" id="{D967F5C3-AC75-F848-9BBE-FAD078E129DD}"/>
+              </a:ext>
+            </a:extLst>
+          </p:cNvPr>
+          <p:cNvPicPr>
+            <a:picLocks noChangeAspect="1"/>
+          </p:cNvPicPr>
+          <p:nvPr/>
+        </p:nvPicPr>
+        <p:blipFill>
+          <a:blip r:embed="rId17"/>
+          <a:stretch>
+            <a:fillRect/>
+          </a:stretch>
+        </p:blipFill>
+        <p:spPr>
+          <a:xfrm>
+            <a:off x="23716094" y="9867449"/>
+            <a:ext cx="6858000" cy="6858000"/>
+          </a:xfrm>
+          <a:prstGeom prst="rect">
+            <a:avLst/>
+          </a:prstGeom>
+        </p:spPr>
+      </p:pic>
+      <p:pic>
+        <p:nvPicPr>
+          <p:cNvPr id="67" name="Picture 66" descr="A picture containing chart&#10;&#10;Description automatically generated">
+            <a:extLst>
+              <a:ext uri="{FF2B5EF4-FFF2-40B4-BE49-F238E27FC236}">
+                <a16:creationId xmlns:a16="http://schemas.microsoft.com/office/drawing/2014/main" id="{6FA17FCD-584F-F744-84FC-EBF1A69E963A}"/>
+              </a:ext>
+            </a:extLst>
+          </p:cNvPr>
+          <p:cNvPicPr>
+            <a:picLocks noChangeAspect="1"/>
+          </p:cNvPicPr>
+          <p:nvPr/>
+        </p:nvPicPr>
+        <p:blipFill>
+          <a:blip r:embed="rId18"/>
+          <a:stretch>
+            <a:fillRect/>
+          </a:stretch>
+        </p:blipFill>
+        <p:spPr>
+          <a:xfrm>
+            <a:off x="31871959" y="9587831"/>
+            <a:ext cx="5596599" cy="3908736"/>
+          </a:xfrm>
+          <a:prstGeom prst="rect">
+            <a:avLst/>
+          </a:prstGeom>
+        </p:spPr>
+      </p:pic>
+      <p:pic>
+        <p:nvPicPr>
+          <p:cNvPr id="69" name="Picture 68" descr="Chart&#10;&#10;Description automatically generated">
+            <a:extLst>
+              <a:ext uri="{FF2B5EF4-FFF2-40B4-BE49-F238E27FC236}">
+                <a16:creationId xmlns:a16="http://schemas.microsoft.com/office/drawing/2014/main" id="{FADF01F2-11E7-1545-ABFE-2537B6DA7743}"/>
+              </a:ext>
+            </a:extLst>
+          </p:cNvPr>
+          <p:cNvPicPr>
+            <a:picLocks noChangeAspect="1"/>
+          </p:cNvPicPr>
+          <p:nvPr/>
+        </p:nvPicPr>
+        <p:blipFill>
+          <a:blip r:embed="rId19"/>
+          <a:stretch>
+            <a:fillRect/>
+          </a:stretch>
+        </p:blipFill>
+        <p:spPr>
+          <a:xfrm>
+            <a:off x="37727542" y="9587831"/>
+            <a:ext cx="5596599" cy="3908736"/>
+          </a:xfrm>
+          <a:prstGeom prst="rect">
+            <a:avLst/>
+          </a:prstGeom>
+        </p:spPr>
+      </p:pic>
+      <p:pic>
+        <p:nvPicPr>
+          <p:cNvPr id="80" name="Picture 79" descr="Chart, treemap chart&#10;&#10;Description automatically generated with medium confidence">
+            <a:extLst>
+              <a:ext uri="{FF2B5EF4-FFF2-40B4-BE49-F238E27FC236}">
+                <a16:creationId xmlns:a16="http://schemas.microsoft.com/office/drawing/2014/main" id="{9834332E-B306-5A47-88DA-EF9B49CD1326}"/>
+              </a:ext>
+            </a:extLst>
+          </p:cNvPr>
+          <p:cNvPicPr>
+            <a:picLocks noChangeAspect="1"/>
+          </p:cNvPicPr>
+          <p:nvPr/>
+        </p:nvPicPr>
+        <p:blipFill>
+          <a:blip r:embed="rId20"/>
+          <a:stretch>
+            <a:fillRect/>
+          </a:stretch>
+        </p:blipFill>
+        <p:spPr>
+          <a:xfrm>
+            <a:off x="34648510" y="16118822"/>
+            <a:ext cx="6566102" cy="6954034"/>
+          </a:xfrm>
+          <a:prstGeom prst="rect">
+            <a:avLst/>
+          </a:prstGeom>
+        </p:spPr>
+      </p:pic>
+      <p:graphicFrame>
+        <p:nvGraphicFramePr>
+          <p:cNvPr id="85" name="Table 85">
+            <a:extLst>
+              <a:ext uri="{FF2B5EF4-FFF2-40B4-BE49-F238E27FC236}">
+                <a16:creationId xmlns:a16="http://schemas.microsoft.com/office/drawing/2014/main" id="{9802D9FD-AC1A-1940-8365-A77E367A5F6B}"/>
+              </a:ext>
+            </a:extLst>
+          </p:cNvPr>
+          <p:cNvGraphicFramePr>
+            <a:graphicFrameLocks noGrp="1"/>
+          </p:cNvGraphicFramePr>
+          <p:nvPr>
+            <p:extLst>
+              <p:ext uri="{D42A27DB-BD31-4B8C-83A1-F6EECF244321}">
+                <p14:modId xmlns:p14="http://schemas.microsoft.com/office/powerpoint/2010/main" val="3049741956"/>
+              </p:ext>
+            </p:extLst>
+          </p:nvPr>
+        </p:nvGraphicFramePr>
+        <p:xfrm>
+          <a:off x="32704033" y="24229661"/>
+          <a:ext cx="10632846" cy="3474720"/>
+        </p:xfrm>
+        <a:graphic>
+          <a:graphicData uri="http://schemas.openxmlformats.org/drawingml/2006/table">
+            <a:tbl>
+              <a:tblPr firstRow="1" bandRow="1">
+                <a:tableStyleId>{BEE778FD-A961-408E-85A3-17AF4F6781A1}</a:tableStyleId>
+              </a:tblPr>
+              <a:tblGrid>
+                <a:gridCol w="2465507">
+                  <a:extLst>
+                    <a:ext uri="{9D8B030D-6E8A-4147-A177-3AD203B41FA5}">
+                      <a16:colId xmlns:a16="http://schemas.microsoft.com/office/drawing/2014/main" val="1837421961"/>
+                    </a:ext>
+                  </a:extLst>
+                </a:gridCol>
+                <a:gridCol w="2048188">
+                  <a:extLst>
+                    <a:ext uri="{9D8B030D-6E8A-4147-A177-3AD203B41FA5}">
+                      <a16:colId xmlns:a16="http://schemas.microsoft.com/office/drawing/2014/main" val="87083544"/>
+                    </a:ext>
+                  </a:extLst>
+                </a:gridCol>
+                <a:gridCol w="2026508">
+                  <a:extLst>
+                    <a:ext uri="{9D8B030D-6E8A-4147-A177-3AD203B41FA5}">
+                      <a16:colId xmlns:a16="http://schemas.microsoft.com/office/drawing/2014/main" val="695374123"/>
+                    </a:ext>
+                  </a:extLst>
+                </a:gridCol>
+                <a:gridCol w="2063578">
+                  <a:extLst>
+                    <a:ext uri="{9D8B030D-6E8A-4147-A177-3AD203B41FA5}">
+                      <a16:colId xmlns:a16="http://schemas.microsoft.com/office/drawing/2014/main" val="4277632285"/>
+                    </a:ext>
+                  </a:extLst>
+                </a:gridCol>
+                <a:gridCol w="2029065">
+                  <a:extLst>
+                    <a:ext uri="{9D8B030D-6E8A-4147-A177-3AD203B41FA5}">
+                      <a16:colId xmlns:a16="http://schemas.microsoft.com/office/drawing/2014/main" val="1278046763"/>
+                    </a:ext>
+                  </a:extLst>
+                </a:gridCol>
+              </a:tblGrid>
+              <a:tr h="0">
+                <a:tc>
+                  <a:txBody>
+                    <a:bodyPr/>
+                    <a:lstStyle/>
+                    <a:p>
+                      <a:endParaRPr lang="en-US" sz="3200" b="1" i="0" u="none" strike="noStrike" cap="none" dirty="0">
+                        <a:solidFill>
+                          <a:schemeClr val="tx1"/>
+                        </a:solidFill>
+                        <a:latin typeface="Calibri"/>
+                        <a:cs typeface="Calibri"/>
+                        <a:sym typeface="Arial"/>
+                      </a:endParaRPr>
+                    </a:p>
+                  </a:txBody>
+                  <a:tcPr/>
+                </a:tc>
+                <a:tc>
+                  <a:txBody>
+                    <a:bodyPr/>
+                    <a:lstStyle/>
+                    <a:p>
+                      <a:r>
+                        <a:rPr lang="en-US" sz="3200" b="0" i="0" u="none" strike="noStrike" cap="none" dirty="0">
+                          <a:solidFill>
+                            <a:schemeClr val="tx1"/>
+                          </a:solidFill>
+                          <a:latin typeface="Calibri"/>
+                          <a:cs typeface="Calibri"/>
+                          <a:sym typeface="Arial"/>
+                        </a:rPr>
+                        <a:t>precision</a:t>
+                      </a:r>
+                    </a:p>
+                  </a:txBody>
+                  <a:tcPr/>
+                </a:tc>
+                <a:tc>
+                  <a:txBody>
+                    <a:bodyPr/>
+                    <a:lstStyle/>
+                    <a:p>
+                      <a:r>
+                        <a:rPr lang="en-US" sz="3200" b="0" i="0" u="none" strike="noStrike" cap="none" dirty="0">
+                          <a:solidFill>
+                            <a:schemeClr val="tx1"/>
+                          </a:solidFill>
+                          <a:latin typeface="Calibri"/>
+                          <a:cs typeface="Calibri"/>
+                          <a:sym typeface="Arial"/>
+                        </a:rPr>
+                        <a:t>recall</a:t>
+                      </a:r>
+                    </a:p>
+                  </a:txBody>
+                  <a:tcPr/>
+                </a:tc>
+                <a:tc>
+                  <a:txBody>
+                    <a:bodyPr/>
+                    <a:lstStyle/>
+                    <a:p>
+                      <a:r>
+                        <a:rPr lang="en-US" sz="3200" b="0" i="0" u="none" strike="noStrike" cap="none" dirty="0">
+                          <a:solidFill>
+                            <a:schemeClr val="tx1"/>
+                          </a:solidFill>
+                          <a:latin typeface="Calibri"/>
+                          <a:cs typeface="Calibri"/>
+                          <a:sym typeface="Arial"/>
+                        </a:rPr>
+                        <a:t>F1-score</a:t>
+                      </a:r>
+                    </a:p>
+                  </a:txBody>
+                  <a:tcPr/>
+                </a:tc>
+                <a:tc>
+                  <a:txBody>
+                    <a:bodyPr/>
+                    <a:lstStyle/>
+                    <a:p>
+                      <a:r>
+                        <a:rPr lang="en-US" sz="3200" b="0" i="0" u="none" strike="noStrike" cap="none" dirty="0">
+                          <a:solidFill>
+                            <a:schemeClr val="tx1"/>
+                          </a:solidFill>
+                          <a:latin typeface="Calibri"/>
+                          <a:cs typeface="Calibri"/>
+                          <a:sym typeface="Arial"/>
+                        </a:rPr>
+                        <a:t>support</a:t>
+                      </a:r>
+                    </a:p>
+                  </a:txBody>
+                  <a:tcPr/>
+                </a:tc>
+                <a:extLst>
+                  <a:ext uri="{0D108BD9-81ED-4DB2-BD59-A6C34878D82A}">
+                    <a16:rowId xmlns:a16="http://schemas.microsoft.com/office/drawing/2014/main" val="1220930028"/>
+                  </a:ext>
+                </a:extLst>
+              </a:tr>
+              <a:tr h="370840">
+                <a:tc>
+                  <a:txBody>
+                    <a:bodyPr/>
+                    <a:lstStyle/>
+                    <a:p>
+                      <a:r>
+                        <a:rPr lang="en-US" sz="3200" b="0" i="0" u="none" strike="noStrike" cap="none" dirty="0">
+                          <a:solidFill>
+                            <a:schemeClr val="tx1"/>
+                          </a:solidFill>
+                          <a:latin typeface="Calibri"/>
+                          <a:cs typeface="Calibri"/>
+                          <a:sym typeface="Arial"/>
+                        </a:rPr>
+                        <a:t>fake</a:t>
+                      </a:r>
+                    </a:p>
+                  </a:txBody>
+                  <a:tcPr/>
+                </a:tc>
+                <a:tc>
+                  <a:txBody>
+                    <a:bodyPr/>
+                    <a:lstStyle/>
+                    <a:p>
+                      <a:r>
+                        <a:rPr lang="en-US" altLang="zh-TW" sz="3200" b="1" i="0" u="none" strike="noStrike" cap="none" dirty="0">
+                          <a:solidFill>
+                            <a:schemeClr val="tx1"/>
+                          </a:solidFill>
+                          <a:latin typeface="Calibri"/>
+                          <a:cs typeface="Calibri"/>
+                          <a:sym typeface="Arial"/>
+                        </a:rPr>
+                        <a:t>0.92</a:t>
+                      </a:r>
+                      <a:endParaRPr lang="en-US" sz="3200" b="1" i="0" u="none" strike="noStrike" cap="none" dirty="0">
+                        <a:solidFill>
+                          <a:schemeClr val="tx1"/>
+                        </a:solidFill>
+                        <a:latin typeface="Calibri"/>
+                        <a:cs typeface="Calibri"/>
+                        <a:sym typeface="Arial"/>
+                      </a:endParaRPr>
+                    </a:p>
+                  </a:txBody>
+                  <a:tcPr/>
+                </a:tc>
+                <a:tc>
+                  <a:txBody>
+                    <a:bodyPr/>
+                    <a:lstStyle/>
+                    <a:p>
+                      <a:r>
+                        <a:rPr lang="en-US" sz="3200" b="1" i="0" u="none" strike="noStrike" cap="none" dirty="0">
+                          <a:solidFill>
+                            <a:schemeClr val="tx1"/>
+                          </a:solidFill>
+                          <a:latin typeface="Calibri"/>
+                          <a:cs typeface="Calibri"/>
+                          <a:sym typeface="Arial"/>
+                        </a:rPr>
+                        <a:t>0.82</a:t>
+                      </a:r>
+                    </a:p>
+                  </a:txBody>
+                  <a:tcPr/>
+                </a:tc>
+                <a:tc>
+                  <a:txBody>
+                    <a:bodyPr/>
+                    <a:lstStyle/>
+                    <a:p>
+                      <a:r>
+                        <a:rPr lang="en-US" sz="3200" b="1" i="0" u="none" strike="noStrike" cap="none" dirty="0">
+                          <a:solidFill>
+                            <a:schemeClr val="tx1"/>
+                          </a:solidFill>
+                          <a:latin typeface="Calibri"/>
+                          <a:cs typeface="Calibri"/>
+                          <a:sym typeface="Arial"/>
+                        </a:rPr>
+                        <a:t>0.87</a:t>
+                      </a:r>
+                    </a:p>
+                  </a:txBody>
+                  <a:tcPr/>
+                </a:tc>
+                <a:tc>
+                  <a:txBody>
+                    <a:bodyPr/>
+                    <a:lstStyle/>
+                    <a:p>
+                      <a:r>
+                        <a:rPr lang="en-US" sz="3200" b="1" i="0" u="none" strike="noStrike" cap="none" dirty="0">
+                          <a:solidFill>
+                            <a:schemeClr val="tx1"/>
+                          </a:solidFill>
+                          <a:latin typeface="Calibri"/>
+                          <a:cs typeface="Calibri"/>
+                          <a:sym typeface="Arial"/>
+                        </a:rPr>
+                        <a:t>1903</a:t>
+                      </a:r>
+                    </a:p>
+                  </a:txBody>
+                  <a:tcPr/>
+                </a:tc>
+                <a:extLst>
+                  <a:ext uri="{0D108BD9-81ED-4DB2-BD59-A6C34878D82A}">
+                    <a16:rowId xmlns:a16="http://schemas.microsoft.com/office/drawing/2014/main" val="2139959617"/>
+                  </a:ext>
+                </a:extLst>
+              </a:tr>
+              <a:tr h="370840">
+                <a:tc>
+                  <a:txBody>
+                    <a:bodyPr/>
+                    <a:lstStyle/>
+                    <a:p>
+                      <a:r>
+                        <a:rPr lang="en-US" sz="3200" b="0" i="0" u="none" strike="noStrike" cap="none" dirty="0">
+                          <a:solidFill>
+                            <a:schemeClr val="tx1"/>
+                          </a:solidFill>
+                          <a:latin typeface="Calibri"/>
+                          <a:cs typeface="Calibri"/>
+                          <a:sym typeface="Arial"/>
+                        </a:rPr>
+                        <a:t>real</a:t>
+                      </a:r>
+                    </a:p>
+                  </a:txBody>
+                  <a:tcPr/>
+                </a:tc>
+                <a:tc>
+                  <a:txBody>
+                    <a:bodyPr/>
+                    <a:lstStyle/>
+                    <a:p>
+                      <a:r>
+                        <a:rPr lang="en-US" sz="3200" b="1" i="0" u="none" strike="noStrike" cap="none" dirty="0">
+                          <a:solidFill>
+                            <a:schemeClr val="tx1"/>
+                          </a:solidFill>
+                          <a:latin typeface="Calibri"/>
+                          <a:cs typeface="Calibri"/>
+                          <a:sym typeface="Arial"/>
+                        </a:rPr>
+                        <a:t>0.84</a:t>
+                      </a:r>
+                    </a:p>
+                  </a:txBody>
+                  <a:tcPr/>
+                </a:tc>
+                <a:tc>
+                  <a:txBody>
+                    <a:bodyPr/>
+                    <a:lstStyle/>
+                    <a:p>
+                      <a:r>
+                        <a:rPr lang="en-US" sz="3200" b="1" i="0" u="none" strike="noStrike" cap="none" dirty="0">
+                          <a:solidFill>
+                            <a:schemeClr val="tx1"/>
+                          </a:solidFill>
+                          <a:latin typeface="Calibri"/>
+                          <a:cs typeface="Calibri"/>
+                          <a:sym typeface="Arial"/>
+                        </a:rPr>
+                        <a:t>0.93</a:t>
+                      </a:r>
+                    </a:p>
+                  </a:txBody>
+                  <a:tcPr/>
+                </a:tc>
+                <a:tc>
+                  <a:txBody>
+                    <a:bodyPr/>
+                    <a:lstStyle/>
+                    <a:p>
+                      <a:r>
+                        <a:rPr lang="en-US" sz="3200" b="1" i="0" u="none" strike="noStrike" cap="none" dirty="0">
+                          <a:solidFill>
+                            <a:schemeClr val="tx1"/>
+                          </a:solidFill>
+                          <a:latin typeface="Calibri"/>
+                          <a:cs typeface="Calibri"/>
+                          <a:sym typeface="Arial"/>
+                        </a:rPr>
+                        <a:t>0.89</a:t>
+                      </a:r>
+                    </a:p>
+                  </a:txBody>
+                  <a:tcPr/>
+                </a:tc>
+                <a:tc>
+                  <a:txBody>
+                    <a:bodyPr/>
+                    <a:lstStyle/>
+                    <a:p>
+                      <a:r>
+                        <a:rPr lang="en-US" sz="3200" b="1" i="0" u="none" strike="noStrike" cap="none" dirty="0">
+                          <a:solidFill>
+                            <a:schemeClr val="tx1"/>
+                          </a:solidFill>
+                          <a:latin typeface="Calibri"/>
+                          <a:cs typeface="Calibri"/>
+                          <a:sym typeface="Arial"/>
+                        </a:rPr>
+                        <a:t>1991</a:t>
+                      </a:r>
+                    </a:p>
+                  </a:txBody>
+                  <a:tcPr/>
+                </a:tc>
+                <a:extLst>
+                  <a:ext uri="{0D108BD9-81ED-4DB2-BD59-A6C34878D82A}">
+                    <a16:rowId xmlns:a16="http://schemas.microsoft.com/office/drawing/2014/main" val="1508648121"/>
+                  </a:ext>
+                </a:extLst>
+              </a:tr>
+              <a:tr h="370840">
+                <a:tc>
+                  <a:txBody>
+                    <a:bodyPr/>
+                    <a:lstStyle/>
+                    <a:p>
+                      <a:r>
+                        <a:rPr lang="en-US" sz="3200" b="0" i="0" u="none" strike="noStrike" cap="none" dirty="0">
+                          <a:solidFill>
+                            <a:schemeClr val="tx1"/>
+                          </a:solidFill>
+                          <a:latin typeface="Calibri"/>
+                          <a:cs typeface="Calibri"/>
+                          <a:sym typeface="Arial"/>
+                        </a:rPr>
+                        <a:t>accuracy</a:t>
+                      </a:r>
+                    </a:p>
+                  </a:txBody>
+                  <a:tcPr/>
+                </a:tc>
+                <a:tc>
+                  <a:txBody>
+                    <a:bodyPr/>
+                    <a:lstStyle/>
+                    <a:p>
+                      <a:endParaRPr lang="en-US" sz="3200" b="1" i="0" u="none" strike="noStrike" cap="none" dirty="0">
+                        <a:solidFill>
+                          <a:schemeClr val="tx1"/>
+                        </a:solidFill>
+                        <a:latin typeface="Calibri"/>
+                        <a:cs typeface="Calibri"/>
+                        <a:sym typeface="Arial"/>
+                      </a:endParaRPr>
+                    </a:p>
+                  </a:txBody>
+                  <a:tcPr/>
+                </a:tc>
+                <a:tc>
+                  <a:txBody>
+                    <a:bodyPr/>
+                    <a:lstStyle/>
+                    <a:p>
+                      <a:endParaRPr lang="en-US" sz="3200" b="1" i="0" u="none" strike="noStrike" cap="none" dirty="0">
+                        <a:solidFill>
+                          <a:schemeClr val="tx1"/>
+                        </a:solidFill>
+                        <a:latin typeface="Calibri"/>
+                        <a:cs typeface="Calibri"/>
+                        <a:sym typeface="Arial"/>
+                      </a:endParaRPr>
+                    </a:p>
+                  </a:txBody>
+                  <a:tcPr/>
+                </a:tc>
+                <a:tc>
+                  <a:txBody>
+                    <a:bodyPr/>
+                    <a:lstStyle/>
+                    <a:p>
+                      <a:r>
+                        <a:rPr lang="en-US" sz="3200" b="1" i="0" u="none" strike="noStrike" cap="none" dirty="0">
+                          <a:solidFill>
+                            <a:schemeClr val="tx1"/>
+                          </a:solidFill>
+                          <a:latin typeface="Calibri"/>
+                          <a:cs typeface="Calibri"/>
+                          <a:sym typeface="Arial"/>
+                        </a:rPr>
+                        <a:t>0.88</a:t>
+                      </a:r>
+                    </a:p>
+                  </a:txBody>
+                  <a:tcPr/>
+                </a:tc>
+                <a:tc>
+                  <a:txBody>
+                    <a:bodyPr/>
+                    <a:lstStyle/>
+                    <a:p>
+                      <a:r>
+                        <a:rPr lang="en-US" sz="3200" b="1" i="0" u="none" strike="noStrike" cap="none" dirty="0">
+                          <a:solidFill>
+                            <a:schemeClr val="tx1"/>
+                          </a:solidFill>
+                          <a:latin typeface="Calibri"/>
+                          <a:cs typeface="Calibri"/>
+                          <a:sym typeface="Arial"/>
+                        </a:rPr>
+                        <a:t>3894</a:t>
+                      </a:r>
+                    </a:p>
+                  </a:txBody>
+                  <a:tcPr/>
+                </a:tc>
+                <a:extLst>
+                  <a:ext uri="{0D108BD9-81ED-4DB2-BD59-A6C34878D82A}">
+                    <a16:rowId xmlns:a16="http://schemas.microsoft.com/office/drawing/2014/main" val="1806057773"/>
+                  </a:ext>
+                </a:extLst>
+              </a:tr>
+              <a:tr h="370840">
+                <a:tc>
+                  <a:txBody>
+                    <a:bodyPr/>
+                    <a:lstStyle/>
+                    <a:p>
+                      <a:r>
+                        <a:rPr lang="en-US" sz="3200" b="0" i="0" u="none" strike="noStrike" cap="none" dirty="0">
+                          <a:solidFill>
+                            <a:schemeClr val="tx1"/>
+                          </a:solidFill>
+                          <a:latin typeface="Calibri"/>
+                          <a:cs typeface="Calibri"/>
+                          <a:sym typeface="Arial"/>
+                        </a:rPr>
+                        <a:t>macro avg</a:t>
+                      </a:r>
+                    </a:p>
+                  </a:txBody>
+                  <a:tcPr/>
+                </a:tc>
+                <a:tc>
+                  <a:txBody>
+                    <a:bodyPr/>
+                    <a:lstStyle/>
+                    <a:p>
+                      <a:r>
+                        <a:rPr lang="en-US" sz="3200" b="1" i="0" u="none" strike="noStrike" cap="none" dirty="0">
+                          <a:solidFill>
+                            <a:schemeClr val="tx1"/>
+                          </a:solidFill>
+                          <a:latin typeface="Calibri"/>
+                          <a:cs typeface="Calibri"/>
+                          <a:sym typeface="Arial"/>
+                        </a:rPr>
+                        <a:t>0.88</a:t>
+                      </a:r>
+                    </a:p>
+                  </a:txBody>
+                  <a:tcPr/>
+                </a:tc>
+                <a:tc>
+                  <a:txBody>
+                    <a:bodyPr/>
+                    <a:lstStyle/>
+                    <a:p>
+                      <a:r>
+                        <a:rPr lang="en-US" sz="3200" b="1" i="0" u="none" strike="noStrike" cap="none" dirty="0">
+                          <a:solidFill>
+                            <a:schemeClr val="tx1"/>
+                          </a:solidFill>
+                          <a:latin typeface="Calibri"/>
+                          <a:cs typeface="Calibri"/>
+                          <a:sym typeface="Arial"/>
+                        </a:rPr>
+                        <a:t>0.88</a:t>
+                      </a:r>
+                    </a:p>
+                  </a:txBody>
+                  <a:tcPr/>
+                </a:tc>
+                <a:tc>
+                  <a:txBody>
+                    <a:bodyPr/>
+                    <a:lstStyle/>
+                    <a:p>
+                      <a:r>
+                        <a:rPr lang="en-US" sz="3200" b="1" i="0" u="none" strike="noStrike" cap="none" dirty="0">
+                          <a:solidFill>
+                            <a:schemeClr val="tx1"/>
+                          </a:solidFill>
+                          <a:latin typeface="Calibri"/>
+                          <a:cs typeface="Calibri"/>
+                          <a:sym typeface="Arial"/>
+                        </a:rPr>
+                        <a:t>0.88</a:t>
+                      </a:r>
+                    </a:p>
+                  </a:txBody>
+                  <a:tcPr/>
+                </a:tc>
+                <a:tc>
+                  <a:txBody>
+                    <a:bodyPr/>
+                    <a:lstStyle/>
+                    <a:p>
+                      <a:r>
+                        <a:rPr lang="en-US" sz="3200" b="1" i="0" u="none" strike="noStrike" cap="none" dirty="0">
+                          <a:solidFill>
+                            <a:schemeClr val="tx1"/>
+                          </a:solidFill>
+                          <a:latin typeface="Calibri"/>
+                          <a:cs typeface="Calibri"/>
+                          <a:sym typeface="Arial"/>
+                        </a:rPr>
+                        <a:t>3894</a:t>
+                      </a:r>
+                    </a:p>
+                  </a:txBody>
+                  <a:tcPr/>
+                </a:tc>
+                <a:extLst>
+                  <a:ext uri="{0D108BD9-81ED-4DB2-BD59-A6C34878D82A}">
+                    <a16:rowId xmlns:a16="http://schemas.microsoft.com/office/drawing/2014/main" val="1544199286"/>
+                  </a:ext>
+                </a:extLst>
+              </a:tr>
+              <a:tr h="370840">
+                <a:tc>
+                  <a:txBody>
+                    <a:bodyPr/>
+                    <a:lstStyle/>
+                    <a:p>
+                      <a:r>
+                        <a:rPr lang="en-US" sz="3200" b="0" i="0" u="none" strike="noStrike" cap="none" dirty="0">
+                          <a:solidFill>
+                            <a:schemeClr val="tx1"/>
+                          </a:solidFill>
+                          <a:latin typeface="Calibri"/>
+                          <a:cs typeface="Calibri"/>
+                          <a:sym typeface="Arial"/>
+                        </a:rPr>
+                        <a:t>weighted avg</a:t>
+                      </a:r>
+                    </a:p>
+                  </a:txBody>
+                  <a:tcPr/>
+                </a:tc>
+                <a:tc>
+                  <a:txBody>
+                    <a:bodyPr/>
+                    <a:lstStyle/>
+                    <a:p>
+                      <a:r>
+                        <a:rPr lang="en-US" sz="3200" b="1" i="0" u="none" strike="noStrike" cap="none" dirty="0">
+                          <a:solidFill>
+                            <a:schemeClr val="tx1"/>
+                          </a:solidFill>
+                          <a:latin typeface="Calibri"/>
+                          <a:cs typeface="Calibri"/>
+                          <a:sym typeface="Arial"/>
+                        </a:rPr>
+                        <a:t>0.88</a:t>
+                      </a:r>
+                    </a:p>
+                  </a:txBody>
+                  <a:tcPr/>
+                </a:tc>
+                <a:tc>
+                  <a:txBody>
+                    <a:bodyPr/>
+                    <a:lstStyle/>
+                    <a:p>
+                      <a:r>
+                        <a:rPr lang="en-US" sz="3200" b="1" i="0" u="none" strike="noStrike" cap="none" dirty="0">
+                          <a:solidFill>
+                            <a:schemeClr val="tx1"/>
+                          </a:solidFill>
+                          <a:latin typeface="Calibri"/>
+                          <a:cs typeface="Calibri"/>
+                          <a:sym typeface="Arial"/>
+                        </a:rPr>
+                        <a:t>0.88</a:t>
+                      </a:r>
+                    </a:p>
+                  </a:txBody>
+                  <a:tcPr/>
+                </a:tc>
+                <a:tc>
+                  <a:txBody>
+                    <a:bodyPr/>
+                    <a:lstStyle/>
+                    <a:p>
+                      <a:r>
+                        <a:rPr lang="en-US" sz="3200" b="1" i="0" u="none" strike="noStrike" cap="none" dirty="0">
+                          <a:solidFill>
+                            <a:schemeClr val="tx1"/>
+                          </a:solidFill>
+                          <a:latin typeface="Calibri"/>
+                          <a:cs typeface="Calibri"/>
+                          <a:sym typeface="Arial"/>
+                        </a:rPr>
+                        <a:t>0.88</a:t>
+                      </a:r>
+                    </a:p>
+                  </a:txBody>
+                  <a:tcPr/>
+                </a:tc>
+                <a:tc>
+                  <a:txBody>
+                    <a:bodyPr/>
+                    <a:lstStyle/>
+                    <a:p>
+                      <a:r>
+                        <a:rPr lang="en-US" sz="3200" b="1" i="0" u="none" strike="noStrike" cap="none" dirty="0">
+                          <a:solidFill>
+                            <a:schemeClr val="tx1"/>
+                          </a:solidFill>
+                          <a:latin typeface="Calibri"/>
+                          <a:cs typeface="Calibri"/>
+                          <a:sym typeface="Arial"/>
+                        </a:rPr>
+                        <a:t>3894</a:t>
+                      </a:r>
+                    </a:p>
+                  </a:txBody>
+                  <a:tcPr/>
+                </a:tc>
+                <a:extLst>
+                  <a:ext uri="{0D108BD9-81ED-4DB2-BD59-A6C34878D82A}">
+                    <a16:rowId xmlns:a16="http://schemas.microsoft.com/office/drawing/2014/main" val="1524164474"/>
+                  </a:ext>
+                </a:extLst>
+              </a:tr>
+            </a:tbl>
+          </a:graphicData>
+        </a:graphic>
+      </p:graphicFrame>
+      <p:sp>
+        <p:nvSpPr>
+          <p:cNvPr id="106" name="Google Shape;128;p1">
+            <a:extLst>
+              <a:ext uri="{FF2B5EF4-FFF2-40B4-BE49-F238E27FC236}">
+                <a16:creationId xmlns:a16="http://schemas.microsoft.com/office/drawing/2014/main" id="{6FAE9896-635D-C147-887A-FA264B4349CD}"/>
+              </a:ext>
+            </a:extLst>
+          </p:cNvPr>
+          <p:cNvSpPr txBox="1">
+            <a:spLocks/>
+          </p:cNvSpPr>
+          <p:nvPr/>
+        </p:nvSpPr>
+        <p:spPr>
+          <a:xfrm>
+            <a:off x="32470078" y="28518170"/>
+            <a:ext cx="10280973" cy="4308821"/>
+          </a:xfrm>
+          <a:prstGeom prst="rect">
+            <a:avLst/>
+          </a:prstGeom>
+          <a:noFill/>
+          <a:ln>
+            <a:noFill/>
+          </a:ln>
+        </p:spPr>
+        <p:txBody>
+          <a:bodyPr spcFirstLastPara="1" wrap="square" lIns="228575" tIns="228575" rIns="228575" bIns="228575" anchor="t" anchorCtr="0">
+            <a:spAutoFit/>
+          </a:bodyPr>
+          <a:lstStyle>
+            <a:defPPr marR="0" lvl="0" algn="l" rtl="0">
+              <a:lnSpc>
+                <a:spcPct val="100000"/>
+              </a:lnSpc>
+              <a:spcBef>
+                <a:spcPts val="0"/>
+              </a:spcBef>
+              <a:spcAft>
+                <a:spcPts val="0"/>
+              </a:spcAft>
+            </a:defPPr>
+            <a:lvl1pPr marL="457200" marR="0" lvl="0" indent="-228600" algn="l" rtl="0">
+              <a:lnSpc>
+                <a:spcPct val="100000"/>
+              </a:lnSpc>
+              <a:spcBef>
+                <a:spcPts val="500"/>
+              </a:spcBef>
+              <a:spcAft>
+                <a:spcPts val="0"/>
+              </a:spcAft>
+              <a:buClr>
+                <a:srgbClr val="4B376B"/>
+              </a:buClr>
+              <a:buSzPts val="2500"/>
+              <a:buFont typeface="Arial"/>
+              <a:buNone/>
+              <a:defRPr sz="2500" b="0" i="0" u="none" strike="noStrike" cap="none">
+                <a:solidFill>
+                  <a:srgbClr val="4B376B"/>
+                </a:solidFill>
+                <a:latin typeface="Times New Roman"/>
+                <a:ea typeface="Times New Roman"/>
+                <a:cs typeface="Times New Roman"/>
+                <a:sym typeface="Times New Roman"/>
+              </a:defRPr>
+            </a:lvl1pPr>
+            <a:lvl2pPr marL="914400" marR="0" lvl="1" indent="-387350" algn="l" rtl="0">
+              <a:lnSpc>
+                <a:spcPct val="100000"/>
+              </a:lnSpc>
+              <a:spcBef>
+                <a:spcPts val="500"/>
+              </a:spcBef>
+              <a:spcAft>
+                <a:spcPts val="0"/>
+              </a:spcAft>
+              <a:buClr>
+                <a:schemeClr val="dk1"/>
+              </a:buClr>
+              <a:buSzPts val="2500"/>
+              <a:buFont typeface="Arial"/>
+              <a:buChar char="–"/>
+              <a:defRPr sz="2500" b="0" i="0" u="none" strike="noStrike" cap="none">
+                <a:solidFill>
+                  <a:schemeClr val="dk1"/>
+                </a:solidFill>
+                <a:latin typeface="Trebuchet MS"/>
+                <a:ea typeface="Trebuchet MS"/>
+                <a:cs typeface="Trebuchet MS"/>
+                <a:sym typeface="Trebuchet MS"/>
+              </a:defRPr>
+            </a:lvl2pPr>
+            <a:lvl3pPr marL="1371600" marR="0" lvl="2" indent="-387350" algn="l" rtl="0">
+              <a:lnSpc>
+                <a:spcPct val="100000"/>
+              </a:lnSpc>
+              <a:spcBef>
+                <a:spcPts val="500"/>
+              </a:spcBef>
+              <a:spcAft>
+                <a:spcPts val="0"/>
+              </a:spcAft>
+              <a:buClr>
+                <a:schemeClr val="dk1"/>
+              </a:buClr>
+              <a:buSzPts val="2500"/>
+              <a:buFont typeface="Arial"/>
+              <a:buChar char="•"/>
+              <a:defRPr sz="2500" b="0" i="0" u="none" strike="noStrike" cap="none">
+                <a:solidFill>
+                  <a:schemeClr val="dk1"/>
+                </a:solidFill>
+                <a:latin typeface="Trebuchet MS"/>
+                <a:ea typeface="Trebuchet MS"/>
+                <a:cs typeface="Trebuchet MS"/>
+                <a:sym typeface="Trebuchet MS"/>
+              </a:defRPr>
+            </a:lvl3pPr>
+            <a:lvl4pPr marL="1828800" marR="0" lvl="3" indent="-387350" algn="l" rtl="0">
+              <a:lnSpc>
+                <a:spcPct val="100000"/>
+              </a:lnSpc>
+              <a:spcBef>
+                <a:spcPts val="500"/>
+              </a:spcBef>
+              <a:spcAft>
+                <a:spcPts val="0"/>
+              </a:spcAft>
+              <a:buClr>
+                <a:schemeClr val="dk1"/>
+              </a:buClr>
+              <a:buSzPts val="2500"/>
+              <a:buFont typeface="Arial"/>
+              <a:buChar char="–"/>
+              <a:defRPr sz="2500" b="0" i="0" u="none" strike="noStrike" cap="none">
+                <a:solidFill>
+                  <a:schemeClr val="dk1"/>
+                </a:solidFill>
+                <a:latin typeface="Trebuchet MS"/>
+                <a:ea typeface="Trebuchet MS"/>
+                <a:cs typeface="Trebuchet MS"/>
+                <a:sym typeface="Trebuchet MS"/>
+              </a:defRPr>
+            </a:lvl4pPr>
+            <a:lvl5pPr marL="2286000" marR="0" lvl="4" indent="-387350" algn="l" rtl="0">
+              <a:lnSpc>
+                <a:spcPct val="100000"/>
+              </a:lnSpc>
+              <a:spcBef>
+                <a:spcPts val="500"/>
+              </a:spcBef>
+              <a:spcAft>
+                <a:spcPts val="0"/>
+              </a:spcAft>
+              <a:buClr>
+                <a:schemeClr val="dk1"/>
+              </a:buClr>
+              <a:buSzPts val="2500"/>
+              <a:buFont typeface="Arial"/>
+              <a:buChar char="»"/>
+              <a:defRPr sz="2500" b="0" i="0" u="none" strike="noStrike" cap="none">
+                <a:solidFill>
+                  <a:schemeClr val="dk1"/>
+                </a:solidFill>
+                <a:latin typeface="Trebuchet MS"/>
+                <a:ea typeface="Trebuchet MS"/>
+                <a:cs typeface="Trebuchet MS"/>
+                <a:sym typeface="Trebuchet MS"/>
+              </a:defRPr>
+            </a:lvl5pPr>
+            <a:lvl6pPr marL="2743200" marR="0" lvl="5" indent="-838200" algn="l" rtl="0">
+              <a:lnSpc>
+                <a:spcPct val="100000"/>
+              </a:lnSpc>
+              <a:spcBef>
+                <a:spcPts val="1920"/>
+              </a:spcBef>
+              <a:spcAft>
+                <a:spcPts val="0"/>
+              </a:spcAft>
+              <a:buClr>
+                <a:schemeClr val="dk1"/>
+              </a:buClr>
+              <a:buSzPts val="9600"/>
+              <a:buFont typeface="Arial"/>
+              <a:buChar char="•"/>
+              <a:defRPr sz="9600" b="0" i="0" u="none" strike="noStrike" cap="none">
+                <a:solidFill>
+                  <a:schemeClr val="dk1"/>
+                </a:solidFill>
+                <a:latin typeface="Calibri"/>
+                <a:ea typeface="Calibri"/>
+                <a:cs typeface="Calibri"/>
+                <a:sym typeface="Calibri"/>
+              </a:defRPr>
+            </a:lvl6pPr>
+            <a:lvl7pPr marL="3200400" marR="0" lvl="6" indent="-838200" algn="l" rtl="0">
+              <a:lnSpc>
+                <a:spcPct val="100000"/>
+              </a:lnSpc>
+              <a:spcBef>
+                <a:spcPts val="1920"/>
+              </a:spcBef>
+              <a:spcAft>
+                <a:spcPts val="0"/>
+              </a:spcAft>
+              <a:buClr>
+                <a:schemeClr val="dk1"/>
+              </a:buClr>
+              <a:buSzPts val="9600"/>
+              <a:buFont typeface="Arial"/>
+              <a:buChar char="•"/>
+              <a:defRPr sz="9600" b="0" i="0" u="none" strike="noStrike" cap="none">
+                <a:solidFill>
+                  <a:schemeClr val="dk1"/>
+                </a:solidFill>
+                <a:latin typeface="Calibri"/>
+                <a:ea typeface="Calibri"/>
+                <a:cs typeface="Calibri"/>
+                <a:sym typeface="Calibri"/>
+              </a:defRPr>
+            </a:lvl7pPr>
+            <a:lvl8pPr marL="3657600" marR="0" lvl="7" indent="-838200" algn="l" rtl="0">
+              <a:lnSpc>
+                <a:spcPct val="100000"/>
+              </a:lnSpc>
+              <a:spcBef>
+                <a:spcPts val="1920"/>
+              </a:spcBef>
+              <a:spcAft>
+                <a:spcPts val="0"/>
+              </a:spcAft>
+              <a:buClr>
+                <a:schemeClr val="dk1"/>
+              </a:buClr>
+              <a:buSzPts val="9600"/>
+              <a:buFont typeface="Arial"/>
+              <a:buChar char="•"/>
+              <a:defRPr sz="9600" b="0" i="0" u="none" strike="noStrike" cap="none">
+                <a:solidFill>
+                  <a:schemeClr val="dk1"/>
+                </a:solidFill>
+                <a:latin typeface="Calibri"/>
+                <a:ea typeface="Calibri"/>
+                <a:cs typeface="Calibri"/>
+                <a:sym typeface="Calibri"/>
+              </a:defRPr>
+            </a:lvl8pPr>
+            <a:lvl9pPr marL="4114800" marR="0" lvl="8" indent="-838200" algn="l" rtl="0">
+              <a:lnSpc>
+                <a:spcPct val="100000"/>
+              </a:lnSpc>
+              <a:spcBef>
+                <a:spcPts val="1920"/>
+              </a:spcBef>
+              <a:spcAft>
+                <a:spcPts val="0"/>
+              </a:spcAft>
+              <a:buClr>
+                <a:schemeClr val="dk1"/>
+              </a:buClr>
+              <a:buSzPts val="9600"/>
+              <a:buFont typeface="Arial"/>
+              <a:buChar char="•"/>
+              <a:defRPr sz="9600" b="0" i="0" u="none" strike="noStrike" cap="none">
+                <a:solidFill>
+                  <a:schemeClr val="dk1"/>
+                </a:solidFill>
+                <a:latin typeface="Calibri"/>
+                <a:ea typeface="Calibri"/>
+                <a:cs typeface="Calibri"/>
+                <a:sym typeface="Calibri"/>
+              </a:defRPr>
+            </a:lvl9pPr>
+          </a:lstStyle>
+          <a:p>
+            <a:pPr marL="0" indent="0">
+              <a:spcBef>
+                <a:spcPts val="0"/>
+              </a:spcBef>
+            </a:pPr>
+            <a:r>
+              <a:rPr lang="en-US" b="1" u="sng" dirty="0"/>
+              <a:t>Require More HPC Resources</a:t>
+            </a:r>
+          </a:p>
+          <a:p>
+            <a:pPr marL="0" indent="0">
+              <a:spcBef>
+                <a:spcPts val="0"/>
+              </a:spcBef>
+            </a:pPr>
+            <a:r>
+              <a:rPr lang="en-US" dirty="0"/>
+              <a:t>So far, I use </a:t>
+            </a:r>
+            <a:r>
+              <a:rPr lang="en-US" i="1" dirty="0"/>
+              <a:t>@</a:t>
+            </a:r>
+            <a:r>
+              <a:rPr lang="en-US" i="1" dirty="0" err="1"/>
+              <a:t>zorro.american.edu</a:t>
+            </a:r>
+            <a:r>
+              <a:rPr lang="en-US" dirty="0"/>
+              <a:t> to implement the experiment</a:t>
+            </a:r>
+            <a:r>
+              <a:rPr lang="en-US" altLang="zh-TW" dirty="0"/>
+              <a:t>s</a:t>
+            </a:r>
+            <a:r>
+              <a:rPr lang="en-US" dirty="0"/>
+              <a:t>. If I submit my code to high performance computing (HPC) for more than two days, the submission would be automatically canceled.</a:t>
+            </a:r>
+            <a:r>
+              <a:rPr lang="zh-TW" altLang="en-US" dirty="0"/>
+              <a:t> </a:t>
+            </a:r>
+            <a:endParaRPr lang="en-US" altLang="zh-TW" dirty="0"/>
+          </a:p>
+          <a:p>
+            <a:pPr marL="0" indent="0">
+              <a:spcBef>
+                <a:spcPts val="0"/>
+              </a:spcBef>
+            </a:pPr>
+            <a:r>
+              <a:rPr lang="en-US" b="1" u="sng" dirty="0"/>
+              <a:t>Tuning More Hyperparameters of  Estimators</a:t>
+            </a:r>
+          </a:p>
+          <a:p>
+            <a:pPr marL="0" indent="0">
+              <a:spcBef>
+                <a:spcPts val="0"/>
+              </a:spcBef>
+            </a:pPr>
+            <a:r>
+              <a:rPr lang="en-US" dirty="0"/>
+              <a:t>If I have an abundance of computation resources, I will use grid search to find the best estimators in both models.</a:t>
+            </a:r>
+          </a:p>
+          <a:p>
+            <a:pPr marL="0" indent="0">
+              <a:spcBef>
+                <a:spcPts val="0"/>
+              </a:spcBef>
+            </a:pPr>
+            <a:r>
+              <a:rPr lang="en-US" b="1" u="sng" dirty="0"/>
+              <a:t>Source Code</a:t>
+            </a:r>
+          </a:p>
+          <a:p>
+            <a:pPr marL="0" indent="0">
+              <a:spcBef>
+                <a:spcPts val="0"/>
+              </a:spcBef>
+            </a:pPr>
+            <a:r>
+              <a:rPr lang="en-US" dirty="0"/>
+              <a:t>Please refer to my GitHub repo: </a:t>
+            </a:r>
+            <a:r>
+              <a:rPr lang="en-US" i="1" dirty="0" err="1"/>
+              <a:t>twyunting</a:t>
+            </a:r>
+            <a:r>
+              <a:rPr lang="en-US" i="1" dirty="0"/>
+              <a:t>/Deepfake_Video_Classifier2.0</a:t>
+            </a:r>
+          </a:p>
+          <a:p>
+            <a:pPr marL="0" indent="0">
+              <a:spcBef>
+                <a:spcPts val="0"/>
+              </a:spcBef>
+            </a:pPr>
+            <a:endParaRPr lang="en-US" dirty="0"/>
           </a:p>
         </p:txBody>
       </p:sp>

--- a/poster/poster_template.pptx
+++ b/poster/poster_template.pptx
@@ -33370,7 +33370,7 @@
         </p:nvSpPr>
         <p:spPr>
           <a:xfrm>
-            <a:off x="22418224" y="22637611"/>
+            <a:off x="22158738" y="22637611"/>
             <a:ext cx="10054835" cy="9464079"/>
           </a:xfrm>
           <a:prstGeom prst="rect">
@@ -33974,7 +33974,7 @@
             </a:pPr>
             <a:r>
               <a:rPr lang="en-US" dirty="0"/>
-              <a:t>IMPROVEMENT AND FURTHER WORKS</a:t>
+              <a:t>IMPROVEMENTS AND FURTHER WORKS</a:t>
             </a:r>
             <a:endParaRPr dirty="0"/>
           </a:p>
@@ -34030,7 +34030,7 @@
             </a:pPr>
             <a:r>
               <a:rPr lang="en-US" dirty="0"/>
-              <a:t>Train-test split: 80 % training, 20 % testing. I also use the testing set for 		       validation set during training.</a:t>
+              <a:t>Train-test split: 80 % training, 20 % testing. I also use the testing set for 		       validation during training.</a:t>
             </a:r>
           </a:p>
           <a:p>

--- a/poster/poster_template.pptx
+++ b/poster/poster_template.pptx
@@ -17,20 +17,20 @@
   <p:notesSz cx="6858000" cy="9144000"/>
   <p:embeddedFontLst>
     <p:embeddedFont>
-      <p:font typeface="HGSSoeiKakugothicUB" panose="020B0900000000000000" pitchFamily="34" charset="-128"/>
+      <p:font typeface="Arial Black" panose="020B0604020202020204" pitchFamily="34" charset="0"/>
       <p:regular r:id="rId7"/>
-    </p:embeddedFont>
-    <p:embeddedFont>
-      <p:font typeface="Arial Black" panose="020B0604020202020204" pitchFamily="34" charset="0"/>
-      <p:regular r:id="rId8"/>
-      <p:bold r:id="rId9"/>
+      <p:bold r:id="rId8"/>
     </p:embeddedFont>
     <p:embeddedFont>
       <p:font typeface="Calibri" panose="020F0502020204030204" pitchFamily="34" charset="0"/>
-      <p:regular r:id="rId10"/>
-      <p:bold r:id="rId11"/>
-      <p:italic r:id="rId12"/>
-      <p:boldItalic r:id="rId13"/>
+      <p:regular r:id="rId9"/>
+      <p:bold r:id="rId10"/>
+      <p:italic r:id="rId11"/>
+      <p:boldItalic r:id="rId12"/>
+    </p:embeddedFont>
+    <p:embeddedFont>
+      <p:font typeface="HGSSoeiKakugothicUB" panose="020B0900000000000000" pitchFamily="34" charset="-128"/>
+      <p:regular r:id="rId13"/>
     </p:embeddedFont>
     <p:embeddedFont>
       <p:font typeface="Trebuchet MS" panose="020B0703020202090204" pitchFamily="34" charset="0"/>
@@ -328,7 +328,7 @@
       </p15:notesGuideLst>
     </p:ext>
     <p:ext uri="http://customooxmlschemas.google.com/">
-      <go:slidesCustomData xmlns:go="http://customooxmlschemas.google.com/" xmlns:ahyp="http://schemas.microsoft.com/office/drawing/2018/hyperlinkcolor" xmlns:p15="http://schemas.microsoft.com/office/powerpoint/2012/main" xmlns:p14="http://schemas.microsoft.com/office/powerpoint/2010/main" xmlns:com="http://schemas.openxmlformats.org/drawingml/2006/compatibility" xmlns:pvml="urn:schemas-microsoft-com:office:powerpoint" xmlns:v="urn:schemas-microsoft-com:vml" xmlns:o="urn:schemas-microsoft-com:office:office" xmlns:dgm="http://schemas.openxmlformats.org/drawingml/2006/diagram" xmlns:c="http://schemas.openxmlformats.org/drawingml/2006/chart" xmlns:mv="urn:schemas-microsoft-com:mac:vml" xmlns:mc="http://schemas.openxmlformats.org/markup-compatibility/2006" xmlns="" r:id="rId17" roundtripDataSignature="AMtx7mjwRr5RV0Lc7aKBHl703qhp0qDcJQ=="/>
+      <go:slidesCustomData xmlns="" xmlns:mc="http://schemas.openxmlformats.org/markup-compatibility/2006" xmlns:mv="urn:schemas-microsoft-com:mac:vml" xmlns:c="http://schemas.openxmlformats.org/drawingml/2006/chart" xmlns:dgm="http://schemas.openxmlformats.org/drawingml/2006/diagram" xmlns:o="urn:schemas-microsoft-com:office:office" xmlns:v="urn:schemas-microsoft-com:vml" xmlns:pvml="urn:schemas-microsoft-com:office:powerpoint" xmlns:com="http://schemas.openxmlformats.org/drawingml/2006/compatibility" xmlns:p14="http://schemas.microsoft.com/office/powerpoint/2010/main" xmlns:p15="http://schemas.microsoft.com/office/powerpoint/2012/main" xmlns:ahyp="http://schemas.microsoft.com/office/drawing/2018/hyperlinkcolor" xmlns:go="http://customooxmlschemas.google.com/" r:id="rId17" roundtripDataSignature="AMtx7mjwRr5RV0Lc7aKBHl703qhp0qDcJQ=="/>
     </p:ext>
   </p:extLst>
 </p:presentation>
@@ -32594,7 +32594,7 @@
         <p:spPr>
           <a:xfrm>
             <a:off x="507310" y="6115394"/>
-            <a:ext cx="10047019" cy="6442739"/>
+            <a:ext cx="10047019" cy="6596627"/>
           </a:xfrm>
           <a:prstGeom prst="rect">
             <a:avLst/>
@@ -32655,17 +32655,41 @@
             </a:r>
           </a:p>
           <a:p>
-            <a:pPr marL="0" lvl="0" indent="0"/>
+            <a:pPr lvl="0" indent="-457200">
+              <a:buFont typeface="+mj-lt"/>
+              <a:buAutoNum type="arabicPeriod"/>
+            </a:pPr>
             <a:r>
               <a:rPr lang="en-US" dirty="0"/>
               <a:t>I successfully extract two important video features: images and texts. Then, I concatenate them as a data frame for model training.</a:t>
             </a:r>
           </a:p>
           <a:p>
-            <a:pPr marL="0" lvl="0" indent="0"/>
+            <a:pPr lvl="0" indent="-457200">
+              <a:buFont typeface="+mj-lt"/>
+              <a:buAutoNum type="arabicPeriod"/>
+            </a:pPr>
             <a:r>
               <a:rPr lang="en-US" dirty="0"/>
-              <a:t>I construct two different classification models to identify Deepfake videos with 97 % and 88 % accuracy score. </a:t>
+              <a:t>I construct two different classification models to classify Deepfake videos with </a:t>
+            </a:r>
+            <a:r>
+              <a:rPr lang="en-US" dirty="0">
+                <a:solidFill>
+                  <a:srgbClr val="FF0000"/>
+                </a:solidFill>
+                <a:latin typeface="Times New Roman" panose="02020603050405020304" pitchFamily="18" charset="0"/>
+                <a:cs typeface="Times New Roman" panose="02020603050405020304" pitchFamily="18" charset="0"/>
+                <a:sym typeface="Calibri"/>
+              </a:rPr>
+              <a:t>97 % and 88 % accuracy scores</a:t>
+            </a:r>
+            <a:r>
+              <a:rPr lang="en-US" dirty="0">
+                <a:latin typeface="Arial" panose="020B0604020202020204" pitchFamily="34" charset="0"/>
+                <a:cs typeface="Arial" panose="020B0604020202020204" pitchFamily="34" charset="0"/>
+              </a:rPr>
+              <a:t>. </a:t>
             </a:r>
           </a:p>
           <a:p>

--- a/poster/poster_template.pptx
+++ b/poster/poster_template.pptx
@@ -328,7 +328,7 @@
       </p15:notesGuideLst>
     </p:ext>
     <p:ext uri="http://customooxmlschemas.google.com/">
-      <go:slidesCustomData xmlns="" xmlns:mc="http://schemas.openxmlformats.org/markup-compatibility/2006" xmlns:mv="urn:schemas-microsoft-com:mac:vml" xmlns:c="http://schemas.openxmlformats.org/drawingml/2006/chart" xmlns:dgm="http://schemas.openxmlformats.org/drawingml/2006/diagram" xmlns:o="urn:schemas-microsoft-com:office:office" xmlns:v="urn:schemas-microsoft-com:vml" xmlns:pvml="urn:schemas-microsoft-com:office:powerpoint" xmlns:com="http://schemas.openxmlformats.org/drawingml/2006/compatibility" xmlns:p14="http://schemas.microsoft.com/office/powerpoint/2010/main" xmlns:p15="http://schemas.microsoft.com/office/powerpoint/2012/main" xmlns:ahyp="http://schemas.microsoft.com/office/drawing/2018/hyperlinkcolor" xmlns:go="http://customooxmlschemas.google.com/" r:id="rId17" roundtripDataSignature="AMtx7mjwRr5RV0Lc7aKBHl703qhp0qDcJQ=="/>
+      <go:slidesCustomData xmlns:go="http://customooxmlschemas.google.com/" xmlns:ahyp="http://schemas.microsoft.com/office/drawing/2018/hyperlinkcolor" xmlns:p15="http://schemas.microsoft.com/office/powerpoint/2012/main" xmlns:p14="http://schemas.microsoft.com/office/powerpoint/2010/main" xmlns:com="http://schemas.openxmlformats.org/drawingml/2006/compatibility" xmlns:pvml="urn:schemas-microsoft-com:office:powerpoint" xmlns:v="urn:schemas-microsoft-com:vml" xmlns:o="urn:schemas-microsoft-com:office:office" xmlns:dgm="http://schemas.openxmlformats.org/drawingml/2006/diagram" xmlns:c="http://schemas.openxmlformats.org/drawingml/2006/chart" xmlns:mv="urn:schemas-microsoft-com:mac:vml" xmlns:mc="http://schemas.openxmlformats.org/markup-compatibility/2006" xmlns="" r:id="rId17" roundtripDataSignature="AMtx7mjwRr5RV0Lc7aKBHl703qhp0qDcJQ=="/>
     </p:ext>
   </p:extLst>
 </p:presentation>
@@ -38403,7 +38403,7 @@
             </a:pPr>
             <a:r>
               <a:rPr lang="en-US" dirty="0"/>
-              <a:t>Label 0 as fake videos, label 1 as real videos. Because each observation is labeled, this is supervised learning.</a:t>
+              <a:t>Label 0 as fake videos, label 1 as real videos. Each observation is labeled, so this is supervised learning.</a:t>
             </a:r>
           </a:p>
         </p:txBody>
@@ -41267,7 +41267,7 @@
             </a:pPr>
             <a:r>
               <a:rPr lang="en-US" b="1" u="sng" dirty="0"/>
-              <a:t>Require More HPC Resources</a:t>
+              <a:t>Data Fusion</a:t>
             </a:r>
           </a:p>
           <a:p>
@@ -41278,43 +41278,7 @@
             </a:pPr>
             <a:r>
               <a:rPr lang="en-US" dirty="0"/>
-              <a:t>So far, I use </a:t>
-            </a:r>
-            <a:r>
-              <a:rPr lang="en-US" i="1" dirty="0"/>
-              <a:t>@</a:t>
-            </a:r>
-            <a:r>
-              <a:rPr lang="en-US" i="1" dirty="0" err="1"/>
-              <a:t>zorro.american.edu</a:t>
-            </a:r>
-            <a:r>
-              <a:rPr lang="en-US" dirty="0"/>
-              <a:t> to implement the experiment</a:t>
-            </a:r>
-            <a:r>
-              <a:rPr lang="en-US" altLang="zh-TW" dirty="0"/>
-              <a:t>s</a:t>
-            </a:r>
-            <a:r>
-              <a:rPr lang="en-US" dirty="0"/>
-              <a:t>. If I submit my code to high performance computing (HPC) for more than two days, the submission would be automatically canceled.</a:t>
-            </a:r>
-            <a:r>
-              <a:rPr lang="zh-TW" altLang="en-US" dirty="0"/>
-              <a:t> </a:t>
-            </a:r>
-            <a:endParaRPr lang="en-US" altLang="zh-TW" dirty="0"/>
-          </a:p>
-          <a:p>
-            <a:pPr marL="0" indent="0">
-              <a:spcBef>
-                <a:spcPts val="0"/>
-              </a:spcBef>
-            </a:pPr>
-            <a:r>
-              <a:rPr lang="en-US" b="1" u="sng" dirty="0"/>
-              <a:t>Tuning More Hyperparameters of  Estimators</a:t>
+              <a:t>One thing I can do is use a CNN model to directly capture 3D image features at the beginning. After flattening the image data in a CNN model, extract these features and concatenate them to text features to save as a new data.</a:t>
             </a:r>
           </a:p>
           <a:p>
@@ -41324,8 +41288,19 @@
               </a:spcBef>
             </a:pPr>
             <a:r>
+              <a:rPr lang="en-US" b="1" u="sng" dirty="0"/>
+              <a:t>More Hyperparameters Tuning</a:t>
+            </a:r>
+          </a:p>
+          <a:p>
+            <a:pPr marL="0" indent="0">
+              <a:spcBef>
+                <a:spcPts val="0"/>
+              </a:spcBef>
+            </a:pPr>
+            <a:r>
               <a:rPr lang="en-US" dirty="0"/>
-              <a:t>If I have an abundance of computation resources, I will use grid search to find the best estimators in both models.</a:t>
+              <a:t>If I have an abundance of computation resources, I will use grid or random search with more combinations to find the best estimators in both models.</a:t>
             </a:r>
           </a:p>
           <a:p>

--- a/poster/poster_template.pptx
+++ b/poster/poster_template.pptx
@@ -328,7 +328,7 @@
       </p15:notesGuideLst>
     </p:ext>
     <p:ext uri="http://customooxmlschemas.google.com/">
-      <go:slidesCustomData xmlns:go="http://customooxmlschemas.google.com/" xmlns:ahyp="http://schemas.microsoft.com/office/drawing/2018/hyperlinkcolor" xmlns:p15="http://schemas.microsoft.com/office/powerpoint/2012/main" xmlns:p14="http://schemas.microsoft.com/office/powerpoint/2010/main" xmlns:com="http://schemas.openxmlformats.org/drawingml/2006/compatibility" xmlns:pvml="urn:schemas-microsoft-com:office:powerpoint" xmlns:v="urn:schemas-microsoft-com:vml" xmlns:o="urn:schemas-microsoft-com:office:office" xmlns:dgm="http://schemas.openxmlformats.org/drawingml/2006/diagram" xmlns:c="http://schemas.openxmlformats.org/drawingml/2006/chart" xmlns:mv="urn:schemas-microsoft-com:mac:vml" xmlns:mc="http://schemas.openxmlformats.org/markup-compatibility/2006" xmlns="" r:id="rId17" roundtripDataSignature="AMtx7mjwRr5RV0Lc7aKBHl703qhp0qDcJQ=="/>
+      <go:slidesCustomData xmlns="" xmlns:mc="http://schemas.openxmlformats.org/markup-compatibility/2006" xmlns:mv="urn:schemas-microsoft-com:mac:vml" xmlns:c="http://schemas.openxmlformats.org/drawingml/2006/chart" xmlns:dgm="http://schemas.openxmlformats.org/drawingml/2006/diagram" xmlns:o="urn:schemas-microsoft-com:office:office" xmlns:v="urn:schemas-microsoft-com:vml" xmlns:pvml="urn:schemas-microsoft-com:office:powerpoint" xmlns:com="http://schemas.openxmlformats.org/drawingml/2006/compatibility" xmlns:p14="http://schemas.microsoft.com/office/powerpoint/2010/main" xmlns:p15="http://schemas.microsoft.com/office/powerpoint/2012/main" xmlns:ahyp="http://schemas.microsoft.com/office/drawing/2018/hyperlinkcolor" xmlns:go="http://customooxmlschemas.google.com/" r:id="rId17" roundtripDataSignature="AMtx7mjwRr5RV0Lc7aKBHl703qhp0qDcJQ=="/>
     </p:ext>
   </p:extLst>
 </p:presentation>
@@ -32671,7 +32671,7 @@
             </a:pPr>
             <a:r>
               <a:rPr lang="en-US" dirty="0"/>
-              <a:t>I construct two different classification models to classify Deepfake videos with </a:t>
+              <a:t>I construct two different classification models to identify Deepfake videos with </a:t>
             </a:r>
             <a:r>
               <a:rPr lang="en-US" dirty="0">
@@ -35435,7 +35435,7 @@
         <p:spPr>
           <a:xfrm>
             <a:off x="371023" y="19619905"/>
-            <a:ext cx="10123851" cy="3154659"/>
+            <a:ext cx="10447016" cy="3154659"/>
           </a:xfrm>
           <a:prstGeom prst="rect">
             <a:avLst/>
@@ -35699,22 +35699,26 @@
           <a:p>
             <a:pPr marL="0" indent="0"/>
             <a:r>
+              <a:rPr lang="en-US"/>
+              <a:t>F: I </a:t>
+            </a:r>
+            <a:r>
               <a:rPr lang="en-US" dirty="0"/>
-              <a:t>I choose RTVC as the fake subset in terms of real-video and fake-audio </a:t>
+              <a:t>choose RTVC as the fake subset in terms of real-video and fake-audio </a:t>
             </a:r>
           </a:p>
           <a:p>
             <a:pPr marL="0" indent="0"/>
             <a:r>
               <a:rPr lang="en-US" dirty="0"/>
-              <a:t>I choose FSGAN as the fake subset in terms of fake-video and real-audio </a:t>
+              <a:t>F: I choose FSGAN as the fake subset in terms of fake-video and real-audio </a:t>
             </a:r>
           </a:p>
           <a:p>
             <a:pPr marL="0" indent="0"/>
             <a:r>
               <a:rPr lang="en-US" dirty="0"/>
-              <a:t>I choose </a:t>
+              <a:t>F: I choose </a:t>
             </a:r>
             <a:r>
               <a:rPr lang="en-US" dirty="0" err="1"/>
@@ -35729,7 +35733,7 @@
             <a:pPr marL="0" indent="0"/>
             <a:r>
               <a:rPr lang="en-US" dirty="0"/>
-              <a:t>I choose VoxCeleb2 as the real subset in terms of real-video and</a:t>
+              <a:t>R: I choose VoxCeleb2 as the real subset in terms of real-video and real-audio</a:t>
             </a:r>
           </a:p>
           <a:p>
